--- a/ISW_WDH_20191211.pptx
+++ b/ISW_WDH_20191211.pptx
@@ -4,6 +4,9 @@
   <p:sldMasterIdLst>
     <p:sldMasterId id="2147483648" r:id="rId1"/>
   </p:sldMasterIdLst>
+  <p:notesMasterIdLst>
+    <p:notesMasterId r:id="rId13"/>
+  </p:notesMasterIdLst>
   <p:sldIdLst>
     <p:sldId id="256" r:id="rId2"/>
     <p:sldId id="257" r:id="rId3"/>
@@ -11,6 +14,11 @@
     <p:sldId id="261" r:id="rId5"/>
     <p:sldId id="259" r:id="rId6"/>
     <p:sldId id="260" r:id="rId7"/>
+    <p:sldId id="262" r:id="rId8"/>
+    <p:sldId id="263" r:id="rId9"/>
+    <p:sldId id="264" r:id="rId10"/>
+    <p:sldId id="265" r:id="rId11"/>
+    <p:sldId id="266" r:id="rId12"/>
   </p:sldIdLst>
   <p:sldSz cx="12192000" cy="6858000"/>
   <p:notesSz cx="6858000" cy="9144000"/>
@@ -117,6 +125,515 @@
 </p:presentation>
 </file>
 
+<file path=ppt/notesMasters/notesMaster1.xml><?xml version="1.0" encoding="utf-8"?>
+<p:notesMaster xmlns:a="http://schemas.openxmlformats.org/drawingml/2006/main" xmlns:r="http://schemas.openxmlformats.org/officeDocument/2006/relationships" xmlns:p="http://schemas.openxmlformats.org/presentationml/2006/main">
+  <p:cSld>
+    <p:bg>
+      <p:bgRef idx="1001">
+        <a:schemeClr val="bg1"/>
+      </p:bgRef>
+    </p:bg>
+    <p:spTree>
+      <p:nvGrpSpPr>
+        <p:cNvPr id="1" name=""/>
+        <p:cNvGrpSpPr/>
+        <p:nvPr/>
+      </p:nvGrpSpPr>
+      <p:grpSpPr>
+        <a:xfrm>
+          <a:off x="0" y="0"/>
+          <a:ext cx="0" cy="0"/>
+          <a:chOff x="0" y="0"/>
+          <a:chExt cx="0" cy="0"/>
+        </a:xfrm>
+      </p:grpSpPr>
+      <p:sp>
+        <p:nvSpPr>
+          <p:cNvPr id="2" name="Header Placeholder 1"/>
+          <p:cNvSpPr>
+            <a:spLocks noGrp="1"/>
+          </p:cNvSpPr>
+          <p:nvPr>
+            <p:ph type="hdr" sz="quarter"/>
+          </p:nvPr>
+        </p:nvSpPr>
+        <p:spPr>
+          <a:xfrm>
+            <a:off x="0" y="0"/>
+            <a:ext cx="2971800" cy="458788"/>
+          </a:xfrm>
+          <a:prstGeom prst="rect">
+            <a:avLst/>
+          </a:prstGeom>
+        </p:spPr>
+        <p:txBody>
+          <a:bodyPr vert="horz" lIns="91440" tIns="45720" rIns="91440" bIns="45720" rtlCol="0"/>
+          <a:lstStyle>
+            <a:lvl1pPr algn="l">
+              <a:defRPr sz="1200"/>
+            </a:lvl1pPr>
+          </a:lstStyle>
+          <a:p>
+            <a:endParaRPr lang="en-US"/>
+          </a:p>
+        </p:txBody>
+      </p:sp>
+      <p:sp>
+        <p:nvSpPr>
+          <p:cNvPr id="3" name="Date Placeholder 2"/>
+          <p:cNvSpPr>
+            <a:spLocks noGrp="1"/>
+          </p:cNvSpPr>
+          <p:nvPr>
+            <p:ph type="dt" idx="1"/>
+          </p:nvPr>
+        </p:nvSpPr>
+        <p:spPr>
+          <a:xfrm>
+            <a:off x="3884613" y="0"/>
+            <a:ext cx="2971800" cy="458788"/>
+          </a:xfrm>
+          <a:prstGeom prst="rect">
+            <a:avLst/>
+          </a:prstGeom>
+        </p:spPr>
+        <p:txBody>
+          <a:bodyPr vert="horz" lIns="91440" tIns="45720" rIns="91440" bIns="45720" rtlCol="0"/>
+          <a:lstStyle>
+            <a:lvl1pPr algn="r">
+              <a:defRPr sz="1200"/>
+            </a:lvl1pPr>
+          </a:lstStyle>
+          <a:p>
+            <a:fld id="{00E6BB63-B601-444D-B7B1-438663F48656}" type="datetimeFigureOut">
+              <a:rPr lang="en-US" smtClean="0"/>
+              <a:t>12/11/2019</a:t>
+            </a:fld>
+            <a:endParaRPr lang="en-US"/>
+          </a:p>
+        </p:txBody>
+      </p:sp>
+      <p:sp>
+        <p:nvSpPr>
+          <p:cNvPr id="4" name="Slide Image Placeholder 3"/>
+          <p:cNvSpPr>
+            <a:spLocks noGrp="1" noRot="1" noChangeAspect="1"/>
+          </p:cNvSpPr>
+          <p:nvPr>
+            <p:ph type="sldImg" idx="2"/>
+          </p:nvPr>
+        </p:nvSpPr>
+        <p:spPr>
+          <a:xfrm>
+            <a:off x="685800" y="1143000"/>
+            <a:ext cx="5486400" cy="3086100"/>
+          </a:xfrm>
+          <a:prstGeom prst="rect">
+            <a:avLst/>
+          </a:prstGeom>
+          <a:noFill/>
+          <a:ln w="12700">
+            <a:solidFill>
+              <a:prstClr val="black"/>
+            </a:solidFill>
+          </a:ln>
+        </p:spPr>
+        <p:txBody>
+          <a:bodyPr vert="horz" lIns="91440" tIns="45720" rIns="91440" bIns="45720" rtlCol="0" anchor="ctr"/>
+          <a:lstStyle/>
+          <a:p>
+            <a:endParaRPr lang="en-US"/>
+          </a:p>
+        </p:txBody>
+      </p:sp>
+      <p:sp>
+        <p:nvSpPr>
+          <p:cNvPr id="5" name="Notes Placeholder 4"/>
+          <p:cNvSpPr>
+            <a:spLocks noGrp="1"/>
+          </p:cNvSpPr>
+          <p:nvPr>
+            <p:ph type="body" sz="quarter" idx="3"/>
+          </p:nvPr>
+        </p:nvSpPr>
+        <p:spPr>
+          <a:xfrm>
+            <a:off x="685800" y="4400550"/>
+            <a:ext cx="5486400" cy="3600450"/>
+          </a:xfrm>
+          <a:prstGeom prst="rect">
+            <a:avLst/>
+          </a:prstGeom>
+        </p:spPr>
+        <p:txBody>
+          <a:bodyPr vert="horz" lIns="91440" tIns="45720" rIns="91440" bIns="45720" rtlCol="0"/>
+          <a:lstStyle/>
+          <a:p>
+            <a:pPr lvl="0"/>
+            <a:r>
+              <a:rPr lang="en-US"/>
+              <a:t>Click to edit Master text styles</a:t>
+            </a:r>
+          </a:p>
+          <a:p>
+            <a:pPr lvl="1"/>
+            <a:r>
+              <a:rPr lang="en-US"/>
+              <a:t>Second level</a:t>
+            </a:r>
+          </a:p>
+          <a:p>
+            <a:pPr lvl="2"/>
+            <a:r>
+              <a:rPr lang="en-US"/>
+              <a:t>Third level</a:t>
+            </a:r>
+          </a:p>
+          <a:p>
+            <a:pPr lvl="3"/>
+            <a:r>
+              <a:rPr lang="en-US"/>
+              <a:t>Fourth level</a:t>
+            </a:r>
+          </a:p>
+          <a:p>
+            <a:pPr lvl="4"/>
+            <a:r>
+              <a:rPr lang="en-US"/>
+              <a:t>Fifth level</a:t>
+            </a:r>
+          </a:p>
+        </p:txBody>
+      </p:sp>
+      <p:sp>
+        <p:nvSpPr>
+          <p:cNvPr id="6" name="Footer Placeholder 5"/>
+          <p:cNvSpPr>
+            <a:spLocks noGrp="1"/>
+          </p:cNvSpPr>
+          <p:nvPr>
+            <p:ph type="ftr" sz="quarter" idx="4"/>
+          </p:nvPr>
+        </p:nvSpPr>
+        <p:spPr>
+          <a:xfrm>
+            <a:off x="0" y="8685213"/>
+            <a:ext cx="2971800" cy="458787"/>
+          </a:xfrm>
+          <a:prstGeom prst="rect">
+            <a:avLst/>
+          </a:prstGeom>
+        </p:spPr>
+        <p:txBody>
+          <a:bodyPr vert="horz" lIns="91440" tIns="45720" rIns="91440" bIns="45720" rtlCol="0" anchor="b"/>
+          <a:lstStyle>
+            <a:lvl1pPr algn="l">
+              <a:defRPr sz="1200"/>
+            </a:lvl1pPr>
+          </a:lstStyle>
+          <a:p>
+            <a:endParaRPr lang="en-US"/>
+          </a:p>
+        </p:txBody>
+      </p:sp>
+      <p:sp>
+        <p:nvSpPr>
+          <p:cNvPr id="7" name="Slide Number Placeholder 6"/>
+          <p:cNvSpPr>
+            <a:spLocks noGrp="1"/>
+          </p:cNvSpPr>
+          <p:nvPr>
+            <p:ph type="sldNum" sz="quarter" idx="5"/>
+          </p:nvPr>
+        </p:nvSpPr>
+        <p:spPr>
+          <a:xfrm>
+            <a:off x="3884613" y="8685213"/>
+            <a:ext cx="2971800" cy="458787"/>
+          </a:xfrm>
+          <a:prstGeom prst="rect">
+            <a:avLst/>
+          </a:prstGeom>
+        </p:spPr>
+        <p:txBody>
+          <a:bodyPr vert="horz" lIns="91440" tIns="45720" rIns="91440" bIns="45720" rtlCol="0" anchor="b"/>
+          <a:lstStyle>
+            <a:lvl1pPr algn="r">
+              <a:defRPr sz="1200"/>
+            </a:lvl1pPr>
+          </a:lstStyle>
+          <a:p>
+            <a:fld id="{F32E0F37-58CF-4AEC-B594-796890172E9F}" type="slidenum">
+              <a:rPr lang="en-US" smtClean="0"/>
+              <a:t>‹#›</a:t>
+            </a:fld>
+            <a:endParaRPr lang="en-US"/>
+          </a:p>
+        </p:txBody>
+      </p:sp>
+    </p:spTree>
+    <p:extLst>
+      <p:ext uri="{BB962C8B-B14F-4D97-AF65-F5344CB8AC3E}">
+        <p14:creationId xmlns:p14="http://schemas.microsoft.com/office/powerpoint/2010/main" val="2938049871"/>
+      </p:ext>
+    </p:extLst>
+  </p:cSld>
+  <p:clrMap bg1="lt1" tx1="dk1" bg2="lt2" tx2="dk2" accent1="accent1" accent2="accent2" accent3="accent3" accent4="accent4" accent5="accent5" accent6="accent6" hlink="hlink" folHlink="folHlink"/>
+  <p:notesStyle>
+    <a:lvl1pPr marL="0" algn="l" defTabSz="914400" rtl="0" eaLnBrk="1" latinLnBrk="0" hangingPunct="1">
+      <a:defRPr sz="1200" kern="1200">
+        <a:solidFill>
+          <a:schemeClr val="tx1"/>
+        </a:solidFill>
+        <a:latin typeface="+mn-lt"/>
+        <a:ea typeface="+mn-ea"/>
+        <a:cs typeface="+mn-cs"/>
+      </a:defRPr>
+    </a:lvl1pPr>
+    <a:lvl2pPr marL="457200" algn="l" defTabSz="914400" rtl="0" eaLnBrk="1" latinLnBrk="0" hangingPunct="1">
+      <a:defRPr sz="1200" kern="1200">
+        <a:solidFill>
+          <a:schemeClr val="tx1"/>
+        </a:solidFill>
+        <a:latin typeface="+mn-lt"/>
+        <a:ea typeface="+mn-ea"/>
+        <a:cs typeface="+mn-cs"/>
+      </a:defRPr>
+    </a:lvl2pPr>
+    <a:lvl3pPr marL="914400" algn="l" defTabSz="914400" rtl="0" eaLnBrk="1" latinLnBrk="0" hangingPunct="1">
+      <a:defRPr sz="1200" kern="1200">
+        <a:solidFill>
+          <a:schemeClr val="tx1"/>
+        </a:solidFill>
+        <a:latin typeface="+mn-lt"/>
+        <a:ea typeface="+mn-ea"/>
+        <a:cs typeface="+mn-cs"/>
+      </a:defRPr>
+    </a:lvl3pPr>
+    <a:lvl4pPr marL="1371600" algn="l" defTabSz="914400" rtl="0" eaLnBrk="1" latinLnBrk="0" hangingPunct="1">
+      <a:defRPr sz="1200" kern="1200">
+        <a:solidFill>
+          <a:schemeClr val="tx1"/>
+        </a:solidFill>
+        <a:latin typeface="+mn-lt"/>
+        <a:ea typeface="+mn-ea"/>
+        <a:cs typeface="+mn-cs"/>
+      </a:defRPr>
+    </a:lvl4pPr>
+    <a:lvl5pPr marL="1828800" algn="l" defTabSz="914400" rtl="0" eaLnBrk="1" latinLnBrk="0" hangingPunct="1">
+      <a:defRPr sz="1200" kern="1200">
+        <a:solidFill>
+          <a:schemeClr val="tx1"/>
+        </a:solidFill>
+        <a:latin typeface="+mn-lt"/>
+        <a:ea typeface="+mn-ea"/>
+        <a:cs typeface="+mn-cs"/>
+      </a:defRPr>
+    </a:lvl5pPr>
+    <a:lvl6pPr marL="2286000" algn="l" defTabSz="914400" rtl="0" eaLnBrk="1" latinLnBrk="0" hangingPunct="1">
+      <a:defRPr sz="1200" kern="1200">
+        <a:solidFill>
+          <a:schemeClr val="tx1"/>
+        </a:solidFill>
+        <a:latin typeface="+mn-lt"/>
+        <a:ea typeface="+mn-ea"/>
+        <a:cs typeface="+mn-cs"/>
+      </a:defRPr>
+    </a:lvl6pPr>
+    <a:lvl7pPr marL="2743200" algn="l" defTabSz="914400" rtl="0" eaLnBrk="1" latinLnBrk="0" hangingPunct="1">
+      <a:defRPr sz="1200" kern="1200">
+        <a:solidFill>
+          <a:schemeClr val="tx1"/>
+        </a:solidFill>
+        <a:latin typeface="+mn-lt"/>
+        <a:ea typeface="+mn-ea"/>
+        <a:cs typeface="+mn-cs"/>
+      </a:defRPr>
+    </a:lvl7pPr>
+    <a:lvl8pPr marL="3200400" algn="l" defTabSz="914400" rtl="0" eaLnBrk="1" latinLnBrk="0" hangingPunct="1">
+      <a:defRPr sz="1200" kern="1200">
+        <a:solidFill>
+          <a:schemeClr val="tx1"/>
+        </a:solidFill>
+        <a:latin typeface="+mn-lt"/>
+        <a:ea typeface="+mn-ea"/>
+        <a:cs typeface="+mn-cs"/>
+      </a:defRPr>
+    </a:lvl8pPr>
+    <a:lvl9pPr marL="3657600" algn="l" defTabSz="914400" rtl="0" eaLnBrk="1" latinLnBrk="0" hangingPunct="1">
+      <a:defRPr sz="1200" kern="1200">
+        <a:solidFill>
+          <a:schemeClr val="tx1"/>
+        </a:solidFill>
+        <a:latin typeface="+mn-lt"/>
+        <a:ea typeface="+mn-ea"/>
+        <a:cs typeface="+mn-cs"/>
+      </a:defRPr>
+    </a:lvl9pPr>
+  </p:notesStyle>
+</p:notesMaster>
+</file>
+
+<file path=ppt/notesSlides/notesSlide1.xml><?xml version="1.0" encoding="utf-8"?>
+<p:notes xmlns:a="http://schemas.openxmlformats.org/drawingml/2006/main" xmlns:r="http://schemas.openxmlformats.org/officeDocument/2006/relationships" xmlns:p="http://schemas.openxmlformats.org/presentationml/2006/main">
+  <p:cSld>
+    <p:spTree>
+      <p:nvGrpSpPr>
+        <p:cNvPr id="1" name=""/>
+        <p:cNvGrpSpPr/>
+        <p:nvPr/>
+      </p:nvGrpSpPr>
+      <p:grpSpPr>
+        <a:xfrm>
+          <a:off x="0" y="0"/>
+          <a:ext cx="0" cy="0"/>
+          <a:chOff x="0" y="0"/>
+          <a:chExt cx="0" cy="0"/>
+        </a:xfrm>
+      </p:grpSpPr>
+      <p:sp>
+        <p:nvSpPr>
+          <p:cNvPr id="2" name="Slide Image Placeholder 1"/>
+          <p:cNvSpPr>
+            <a:spLocks noGrp="1" noRot="1" noChangeAspect="1"/>
+          </p:cNvSpPr>
+          <p:nvPr>
+            <p:ph type="sldImg"/>
+          </p:nvPr>
+        </p:nvSpPr>
+        <p:spPr/>
+      </p:sp>
+      <p:sp>
+        <p:nvSpPr>
+          <p:cNvPr id="3" name="Notes Placeholder 2"/>
+          <p:cNvSpPr>
+            <a:spLocks noGrp="1"/>
+          </p:cNvSpPr>
+          <p:nvPr>
+            <p:ph type="body" idx="1"/>
+          </p:nvPr>
+        </p:nvSpPr>
+        <p:spPr/>
+        <p:txBody>
+          <a:bodyPr/>
+          <a:lstStyle/>
+          <a:p>
+            <a:pPr marL="171450" indent="-171450">
+              <a:buFont typeface="Arial" panose="020B0604020202020204" pitchFamily="34" charset="0"/>
+              <a:buChar char="•"/>
+            </a:pPr>
+            <a:r>
+              <a:rPr lang="en-US" dirty="0" err="1"/>
+              <a:t>Multiton</a:t>
+            </a:r>
+            <a:r>
+              <a:rPr lang="en-US" dirty="0"/>
+              <a:t>: </a:t>
+            </a:r>
+          </a:p>
+          <a:p>
+            <a:pPr marL="628650" lvl="1" indent="-171450">
+              <a:buFont typeface="Arial" panose="020B0604020202020204" pitchFamily="34" charset="0"/>
+              <a:buChar char="•"/>
+            </a:pPr>
+            <a:r>
+              <a:rPr lang="en-US" dirty="0"/>
+              <a:t>generalizes the </a:t>
+            </a:r>
+            <a:r>
+              <a:rPr lang="en-US" dirty="0">
+                <a:hlinkClick r:id="rId3" tooltip="Singleton pattern"/>
+              </a:rPr>
+              <a:t>singleton pattern</a:t>
+            </a:r>
+            <a:r>
+              <a:rPr lang="en-US" dirty="0"/>
+              <a:t>. </a:t>
+            </a:r>
+          </a:p>
+          <a:p>
+            <a:pPr marL="628650" lvl="1" indent="-171450">
+              <a:buFont typeface="Arial" panose="020B0604020202020204" pitchFamily="34" charset="0"/>
+              <a:buChar char="•"/>
+            </a:pPr>
+            <a:r>
+              <a:rPr lang="en-US" dirty="0"/>
+              <a:t>allows for the controlled creation of multiple instances</a:t>
+            </a:r>
+          </a:p>
+          <a:p>
+            <a:pPr marL="628650" lvl="1" indent="-171450">
+              <a:buFont typeface="Arial" panose="020B0604020202020204" pitchFamily="34" charset="0"/>
+              <a:buChar char="•"/>
+            </a:pPr>
+            <a:r>
+              <a:rPr lang="en-US" dirty="0"/>
+              <a:t>Managed through the use of a </a:t>
+            </a:r>
+            <a:r>
+              <a:rPr lang="en-US" dirty="0">
+                <a:hlinkClick r:id="rId4" tooltip="Associative array"/>
+              </a:rPr>
+              <a:t>map</a:t>
+            </a:r>
+            <a:r>
+              <a:rPr lang="en-US" dirty="0"/>
+              <a:t>. </a:t>
+            </a:r>
+          </a:p>
+          <a:p>
+            <a:pPr marL="628650" lvl="1" indent="-171450">
+              <a:buFont typeface="Arial" panose="020B0604020202020204" pitchFamily="34" charset="0"/>
+              <a:buChar char="•"/>
+            </a:pPr>
+            <a:r>
+              <a:rPr lang="en-US" dirty="0"/>
+              <a:t>single instance </a:t>
+            </a:r>
+            <a:r>
+              <a:rPr lang="en-US" i="1" dirty="0"/>
+              <a:t>per key</a:t>
+            </a:r>
+            <a:endParaRPr lang="en-US" b="1" dirty="0"/>
+          </a:p>
+        </p:txBody>
+      </p:sp>
+      <p:sp>
+        <p:nvSpPr>
+          <p:cNvPr id="4" name="Slide Number Placeholder 3"/>
+          <p:cNvSpPr>
+            <a:spLocks noGrp="1"/>
+          </p:cNvSpPr>
+          <p:nvPr>
+            <p:ph type="sldNum" sz="quarter" idx="5"/>
+          </p:nvPr>
+        </p:nvSpPr>
+        <p:spPr/>
+        <p:txBody>
+          <a:bodyPr/>
+          <a:lstStyle/>
+          <a:p>
+            <a:fld id="{F32E0F37-58CF-4AEC-B594-796890172E9F}" type="slidenum">
+              <a:rPr lang="en-US" smtClean="0"/>
+              <a:t>9</a:t>
+            </a:fld>
+            <a:endParaRPr lang="en-US"/>
+          </a:p>
+        </p:txBody>
+      </p:sp>
+    </p:spTree>
+    <p:extLst>
+      <p:ext uri="{BB962C8B-B14F-4D97-AF65-F5344CB8AC3E}">
+        <p14:creationId xmlns:p14="http://schemas.microsoft.com/office/powerpoint/2010/main" val="1847099156"/>
+      </p:ext>
+    </p:extLst>
+  </p:cSld>
+  <p:clrMapOvr>
+    <a:masterClrMapping/>
+  </p:clrMapOvr>
+</p:notes>
+</file>
+
 <file path=ppt/slideLayouts/slideLayout1.xml><?xml version="1.0" encoding="utf-8"?>
 <p:sldLayout xmlns:a="http://schemas.openxmlformats.org/drawingml/2006/main" xmlns:r="http://schemas.openxmlformats.org/officeDocument/2006/relationships" xmlns:p="http://schemas.openxmlformats.org/presentationml/2006/main" type="title" preserve="1">
   <p:cSld name="Title Slide">
@@ -264,7 +781,7 @@
           <a:p>
             <a:fld id="{8E3A020F-F321-4FF1-A04B-FB7C736ED12A}" type="datetimeFigureOut">
               <a:rPr lang="en-US" smtClean="0"/>
-              <a:t>12/5/2019</a:t>
+              <a:t>12/11/2019</a:t>
             </a:fld>
             <a:endParaRPr lang="en-US"/>
           </a:p>
@@ -462,7 +979,7 @@
           <a:p>
             <a:fld id="{8E3A020F-F321-4FF1-A04B-FB7C736ED12A}" type="datetimeFigureOut">
               <a:rPr lang="en-US" smtClean="0"/>
-              <a:t>12/5/2019</a:t>
+              <a:t>12/11/2019</a:t>
             </a:fld>
             <a:endParaRPr lang="en-US"/>
           </a:p>
@@ -670,7 +1187,7 @@
           <a:p>
             <a:fld id="{8E3A020F-F321-4FF1-A04B-FB7C736ED12A}" type="datetimeFigureOut">
               <a:rPr lang="en-US" smtClean="0"/>
-              <a:t>12/5/2019</a:t>
+              <a:t>12/11/2019</a:t>
             </a:fld>
             <a:endParaRPr lang="en-US"/>
           </a:p>
@@ -868,7 +1385,7 @@
           <a:p>
             <a:fld id="{8E3A020F-F321-4FF1-A04B-FB7C736ED12A}" type="datetimeFigureOut">
               <a:rPr lang="en-US" smtClean="0"/>
-              <a:t>12/5/2019</a:t>
+              <a:t>12/11/2019</a:t>
             </a:fld>
             <a:endParaRPr lang="en-US"/>
           </a:p>
@@ -1143,7 +1660,7 @@
           <a:p>
             <a:fld id="{8E3A020F-F321-4FF1-A04B-FB7C736ED12A}" type="datetimeFigureOut">
               <a:rPr lang="en-US" smtClean="0"/>
-              <a:t>12/5/2019</a:t>
+              <a:t>12/11/2019</a:t>
             </a:fld>
             <a:endParaRPr lang="en-US"/>
           </a:p>
@@ -1408,7 +1925,7 @@
           <a:p>
             <a:fld id="{8E3A020F-F321-4FF1-A04B-FB7C736ED12A}" type="datetimeFigureOut">
               <a:rPr lang="en-US" smtClean="0"/>
-              <a:t>12/5/2019</a:t>
+              <a:t>12/11/2019</a:t>
             </a:fld>
             <a:endParaRPr lang="en-US"/>
           </a:p>
@@ -1820,7 +2337,7 @@
           <a:p>
             <a:fld id="{8E3A020F-F321-4FF1-A04B-FB7C736ED12A}" type="datetimeFigureOut">
               <a:rPr lang="en-US" smtClean="0"/>
-              <a:t>12/5/2019</a:t>
+              <a:t>12/11/2019</a:t>
             </a:fld>
             <a:endParaRPr lang="en-US"/>
           </a:p>
@@ -1961,7 +2478,7 @@
           <a:p>
             <a:fld id="{8E3A020F-F321-4FF1-A04B-FB7C736ED12A}" type="datetimeFigureOut">
               <a:rPr lang="en-US" smtClean="0"/>
-              <a:t>12/5/2019</a:t>
+              <a:t>12/11/2019</a:t>
             </a:fld>
             <a:endParaRPr lang="en-US"/>
           </a:p>
@@ -2074,7 +2591,7 @@
           <a:p>
             <a:fld id="{8E3A020F-F321-4FF1-A04B-FB7C736ED12A}" type="datetimeFigureOut">
               <a:rPr lang="en-US" smtClean="0"/>
-              <a:t>12/5/2019</a:t>
+              <a:t>12/11/2019</a:t>
             </a:fld>
             <a:endParaRPr lang="en-US"/>
           </a:p>
@@ -2385,7 +2902,7 @@
           <a:p>
             <a:fld id="{8E3A020F-F321-4FF1-A04B-FB7C736ED12A}" type="datetimeFigureOut">
               <a:rPr lang="en-US" smtClean="0"/>
-              <a:t>12/5/2019</a:t>
+              <a:t>12/11/2019</a:t>
             </a:fld>
             <a:endParaRPr lang="en-US"/>
           </a:p>
@@ -2673,7 +3190,7 @@
           <a:p>
             <a:fld id="{8E3A020F-F321-4FF1-A04B-FB7C736ED12A}" type="datetimeFigureOut">
               <a:rPr lang="en-US" smtClean="0"/>
-              <a:t>12/5/2019</a:t>
+              <a:t>12/11/2019</a:t>
             </a:fld>
             <a:endParaRPr lang="en-US"/>
           </a:p>
@@ -2914,7 +3431,7 @@
           <a:p>
             <a:fld id="{8E3A020F-F321-4FF1-A04B-FB7C736ED12A}" type="datetimeFigureOut">
               <a:rPr lang="en-US" smtClean="0"/>
-              <a:t>12/5/2019</a:t>
+              <a:t>12/11/2019</a:t>
             </a:fld>
             <a:endParaRPr lang="en-US"/>
           </a:p>
@@ -3398,6 +3915,225 @@
 </p:sld>
 </file>
 
+<file path=ppt/slides/slide10.xml><?xml version="1.0" encoding="utf-8"?>
+<p:sld xmlns:a="http://schemas.openxmlformats.org/drawingml/2006/main" xmlns:r="http://schemas.openxmlformats.org/officeDocument/2006/relationships" xmlns:p="http://schemas.openxmlformats.org/presentationml/2006/main">
+  <p:cSld>
+    <p:spTree>
+      <p:nvGrpSpPr>
+        <p:cNvPr id="1" name=""/>
+        <p:cNvGrpSpPr/>
+        <p:nvPr/>
+      </p:nvGrpSpPr>
+      <p:grpSpPr>
+        <a:xfrm>
+          <a:off x="0" y="0"/>
+          <a:ext cx="0" cy="0"/>
+          <a:chOff x="0" y="0"/>
+          <a:chExt cx="0" cy="0"/>
+        </a:xfrm>
+      </p:grpSpPr>
+      <p:sp>
+        <p:nvSpPr>
+          <p:cNvPr id="2" name="Title 1">
+            <a:extLst>
+              <a:ext uri="{FF2B5EF4-FFF2-40B4-BE49-F238E27FC236}">
+                <a16:creationId xmlns:a16="http://schemas.microsoft.com/office/drawing/2014/main" id="{A46C1D0D-301F-46FD-925A-ED519EAB09E1}"/>
+              </a:ext>
+            </a:extLst>
+          </p:cNvPr>
+          <p:cNvSpPr>
+            <a:spLocks noGrp="1"/>
+          </p:cNvSpPr>
+          <p:nvPr>
+            <p:ph type="title"/>
+          </p:nvPr>
+        </p:nvSpPr>
+        <p:spPr/>
+        <p:txBody>
+          <a:bodyPr/>
+          <a:lstStyle/>
+          <a:p>
+            <a:r>
+              <a:rPr lang="en-US" dirty="0" err="1"/>
+              <a:t>Beispiel</a:t>
+            </a:r>
+            <a:r>
+              <a:rPr lang="en-US" dirty="0"/>
+              <a:t>: Update Movie</a:t>
+            </a:r>
+          </a:p>
+        </p:txBody>
+      </p:sp>
+      <p:pic>
+        <p:nvPicPr>
+          <p:cNvPr id="5" name="Content Placeholder 4">
+            <a:extLst>
+              <a:ext uri="{FF2B5EF4-FFF2-40B4-BE49-F238E27FC236}">
+                <a16:creationId xmlns:a16="http://schemas.microsoft.com/office/drawing/2014/main" id="{33F57A6C-156F-4846-ACFF-5CAE650CB22E}"/>
+              </a:ext>
+            </a:extLst>
+          </p:cNvPr>
+          <p:cNvPicPr>
+            <a:picLocks noGrp="1" noChangeAspect="1"/>
+          </p:cNvPicPr>
+          <p:nvPr>
+            <p:ph idx="1"/>
+          </p:nvPr>
+        </p:nvPicPr>
+        <p:blipFill>
+          <a:blip r:embed="rId2">
+            <a:extLst>
+              <a:ext uri="{28A0092B-C50C-407E-A947-70E740481C1C}">
+                <a14:useLocalDpi xmlns:a14="http://schemas.microsoft.com/office/drawing/2010/main" val="0"/>
+              </a:ext>
+            </a:extLst>
+          </a:blip>
+          <a:stretch>
+            <a:fillRect/>
+          </a:stretch>
+        </p:blipFill>
+        <p:spPr>
+          <a:xfrm>
+            <a:off x="651593" y="1948721"/>
+            <a:ext cx="10888813" cy="4118405"/>
+          </a:xfrm>
+        </p:spPr>
+      </p:pic>
+    </p:spTree>
+    <p:extLst>
+      <p:ext uri="{BB962C8B-B14F-4D97-AF65-F5344CB8AC3E}">
+        <p14:creationId xmlns:p14="http://schemas.microsoft.com/office/powerpoint/2010/main" val="3650329440"/>
+      </p:ext>
+    </p:extLst>
+  </p:cSld>
+  <p:clrMapOvr>
+    <a:masterClrMapping/>
+  </p:clrMapOvr>
+</p:sld>
+</file>
+
+<file path=ppt/slides/slide11.xml><?xml version="1.0" encoding="utf-8"?>
+<p:sld xmlns:a="http://schemas.openxmlformats.org/drawingml/2006/main" xmlns:r="http://schemas.openxmlformats.org/officeDocument/2006/relationships" xmlns:p="http://schemas.openxmlformats.org/presentationml/2006/main">
+  <p:cSld>
+    <p:spTree>
+      <p:nvGrpSpPr>
+        <p:cNvPr id="1" name=""/>
+        <p:cNvGrpSpPr/>
+        <p:nvPr/>
+      </p:nvGrpSpPr>
+      <p:grpSpPr>
+        <a:xfrm>
+          <a:off x="0" y="0"/>
+          <a:ext cx="0" cy="0"/>
+          <a:chOff x="0" y="0"/>
+          <a:chExt cx="0" cy="0"/>
+        </a:xfrm>
+      </p:grpSpPr>
+      <p:sp>
+        <p:nvSpPr>
+          <p:cNvPr id="2" name="Title 1">
+            <a:extLst>
+              <a:ext uri="{FF2B5EF4-FFF2-40B4-BE49-F238E27FC236}">
+                <a16:creationId xmlns:a16="http://schemas.microsoft.com/office/drawing/2014/main" id="{1A2A75E9-792B-478C-BD7B-5CE88779D354}"/>
+              </a:ext>
+            </a:extLst>
+          </p:cNvPr>
+          <p:cNvSpPr>
+            <a:spLocks noGrp="1"/>
+          </p:cNvSpPr>
+          <p:nvPr>
+            <p:ph type="title"/>
+          </p:nvPr>
+        </p:nvSpPr>
+        <p:spPr/>
+        <p:txBody>
+          <a:bodyPr/>
+          <a:lstStyle/>
+          <a:p>
+            <a:endParaRPr lang="en-US" dirty="0"/>
+          </a:p>
+        </p:txBody>
+      </p:sp>
+      <p:sp>
+        <p:nvSpPr>
+          <p:cNvPr id="3" name="Content Placeholder 2">
+            <a:extLst>
+              <a:ext uri="{FF2B5EF4-FFF2-40B4-BE49-F238E27FC236}">
+                <a16:creationId xmlns:a16="http://schemas.microsoft.com/office/drawing/2014/main" id="{1BBBD41B-EBF0-4FD8-9F3E-9360A36136E8}"/>
+              </a:ext>
+            </a:extLst>
+          </p:cNvPr>
+          <p:cNvSpPr>
+            <a:spLocks noGrp="1"/>
+          </p:cNvSpPr>
+          <p:nvPr>
+            <p:ph idx="1"/>
+          </p:nvPr>
+        </p:nvSpPr>
+        <p:spPr/>
+        <p:txBody>
+          <a:bodyPr/>
+          <a:lstStyle/>
+          <a:p>
+            <a:pPr marL="0" indent="0">
+              <a:buNone/>
+            </a:pPr>
+            <a:r>
+              <a:rPr lang="de-DE" dirty="0" err="1"/>
+              <a:t>RuntimeStorageAccess</a:t>
+            </a:r>
+            <a:r>
+              <a:rPr lang="de-DE" dirty="0"/>
+              <a:t> ist ein vereinfachter Zugriff auf </a:t>
+            </a:r>
+            <a:r>
+              <a:rPr lang="de-DE" dirty="0" err="1"/>
+              <a:t>RuntimeStorage</a:t>
+            </a:r>
+            <a:r>
+              <a:rPr lang="de-DE" dirty="0"/>
+              <a:t>. </a:t>
+            </a:r>
+            <a:r>
+              <a:rPr lang="de-DE" dirty="0" err="1"/>
+              <a:t>RuntimeStorage</a:t>
+            </a:r>
+            <a:r>
+              <a:rPr lang="de-DE" dirty="0"/>
+              <a:t> umfasst alle notwendigen Komponenten um alle Datenklassen und deren Metainformationen zu speichern (Register, BAS).</a:t>
+            </a:r>
+            <a:br>
+              <a:rPr lang="de-DE" dirty="0"/>
+            </a:br>
+            <a:r>
+              <a:rPr lang="de-DE" dirty="0"/>
+              <a:t>Gespeichert wird mittels des Storage das Objekte mit konkreten </a:t>
+            </a:r>
+            <a:r>
+              <a:rPr lang="de-DE" dirty="0" err="1"/>
+              <a:t>StorageGroups</a:t>
+            </a:r>
+            <a:r>
+              <a:rPr lang="de-DE" dirty="0"/>
+              <a:t> in Dateien schreiben kann bzw. sie davon lesen kann.</a:t>
+            </a:r>
+            <a:endParaRPr lang="en-US" dirty="0"/>
+          </a:p>
+        </p:txBody>
+      </p:sp>
+    </p:spTree>
+    <p:extLst>
+      <p:ext uri="{BB962C8B-B14F-4D97-AF65-F5344CB8AC3E}">
+        <p14:creationId xmlns:p14="http://schemas.microsoft.com/office/powerpoint/2010/main" val="3835499635"/>
+      </p:ext>
+    </p:extLst>
+  </p:cSld>
+  <p:clrMapOvr>
+    <a:masterClrMapping/>
+  </p:clrMapOvr>
+</p:sld>
+</file>
+
 <file path=ppt/slides/slide2.xml><?xml version="1.0" encoding="utf-8"?>
 <p:sld xmlns:a="http://schemas.openxmlformats.org/drawingml/2006/main" xmlns:r="http://schemas.openxmlformats.org/officeDocument/2006/relationships" xmlns:p="http://schemas.openxmlformats.org/presentationml/2006/main">
   <p:cSld>
@@ -3495,15 +4231,8 @@
           </a:p>
           <a:p>
             <a:r>
-              <a:rPr lang="en-US"/>
-              <a:t>Modifiable Wrapper</a:t>
-            </a:r>
-            <a:endParaRPr lang="en-US" dirty="0"/>
-          </a:p>
-          <a:p>
-            <a:r>
-              <a:rPr lang="en-US" dirty="0"/>
-              <a:t>Storage (MM VS PM)</a:t>
+              <a:rPr lang="en-US" dirty="0"/>
+              <a:t>Storage (PM &amp; MM)</a:t>
             </a:r>
           </a:p>
         </p:txBody>
@@ -4188,7 +4917,7 @@
             </a:r>
             <a:r>
               <a:rPr lang="en-US" dirty="0" err="1"/>
-              <a:t>Datentyp</a:t>
+              <a:t>Klasse</a:t>
             </a:r>
             <a:endParaRPr lang="en-US" dirty="0"/>
           </a:p>
@@ -4230,6 +4959,45 @@
           </a:prstGeom>
         </p:spPr>
       </p:pic>
+      <p:cxnSp>
+        <p:nvCxnSpPr>
+          <p:cNvPr id="5" name="Straight Arrow Connector 4">
+            <a:extLst>
+              <a:ext uri="{FF2B5EF4-FFF2-40B4-BE49-F238E27FC236}">
+                <a16:creationId xmlns:a16="http://schemas.microsoft.com/office/drawing/2014/main" id="{E8BAE609-9F07-4DD0-8FF0-4D710F905F61}"/>
+              </a:ext>
+            </a:extLst>
+          </p:cNvPr>
+          <p:cNvCxnSpPr/>
+          <p:nvPr/>
+        </p:nvCxnSpPr>
+        <p:spPr>
+          <a:xfrm flipV="1">
+            <a:off x="8572356" y="4389120"/>
+            <a:ext cx="0" cy="565265"/>
+          </a:xfrm>
+          <a:prstGeom prst="straightConnector1">
+            <a:avLst/>
+          </a:prstGeom>
+          <a:ln w="28575">
+            <a:tailEnd type="triangle"/>
+          </a:ln>
+        </p:spPr>
+        <p:style>
+          <a:lnRef idx="1">
+            <a:schemeClr val="dk1"/>
+          </a:lnRef>
+          <a:fillRef idx="0">
+            <a:schemeClr val="dk1"/>
+          </a:fillRef>
+          <a:effectRef idx="0">
+            <a:schemeClr val="dk1"/>
+          </a:effectRef>
+          <a:fontRef idx="minor">
+            <a:schemeClr val="tx1"/>
+          </a:fontRef>
+        </p:style>
+      </p:cxnSp>
     </p:spTree>
     <p:extLst>
       <p:ext uri="{BB962C8B-B14F-4D97-AF65-F5344CB8AC3E}">
@@ -4297,31 +5065,389 @@
           </a:p>
         </p:txBody>
       </p:sp>
-      <p:sp>
-        <p:nvSpPr>
-          <p:cNvPr id="3" name="Content Placeholder 2">
-            <a:extLst>
-              <a:ext uri="{FF2B5EF4-FFF2-40B4-BE49-F238E27FC236}">
-                <a16:creationId xmlns:a16="http://schemas.microsoft.com/office/drawing/2014/main" id="{59D984B2-029E-4759-ACEE-311A4FAA2C1F}"/>
-              </a:ext>
-            </a:extLst>
-          </p:cNvPr>
-          <p:cNvSpPr>
-            <a:spLocks noGrp="1"/>
-          </p:cNvSpPr>
+      <p:graphicFrame>
+        <p:nvGraphicFramePr>
+          <p:cNvPr id="5" name="Content Placeholder 4">
+            <a:extLst>
+              <a:ext uri="{FF2B5EF4-FFF2-40B4-BE49-F238E27FC236}">
+                <a16:creationId xmlns:a16="http://schemas.microsoft.com/office/drawing/2014/main" id="{C3E795EC-AD29-42F5-8B5B-4EAD170781B8}"/>
+              </a:ext>
+            </a:extLst>
+          </p:cNvPr>
+          <p:cNvGraphicFramePr>
+            <a:graphicFrameLocks noGrp="1"/>
+          </p:cNvGraphicFramePr>
           <p:nvPr>
             <p:ph idx="1"/>
-          </p:nvPr>
-        </p:nvSpPr>
-        <p:spPr/>
-        <p:txBody>
-          <a:bodyPr/>
-          <a:lstStyle/>
-          <a:p>
-            <a:endParaRPr lang="en-US"/>
-          </a:p>
-        </p:txBody>
-      </p:sp>
+            <p:extLst>
+              <p:ext uri="{D42A27DB-BD31-4B8C-83A1-F6EECF244321}">
+                <p14:modId xmlns:p14="http://schemas.microsoft.com/office/powerpoint/2010/main" val="2456888032"/>
+              </p:ext>
+            </p:extLst>
+          </p:nvPr>
+        </p:nvGraphicFramePr>
+        <p:xfrm>
+          <a:off x="0" y="1620200"/>
+          <a:ext cx="12192000" cy="5237799"/>
+        </p:xfrm>
+        <a:graphic>
+          <a:graphicData uri="http://schemas.openxmlformats.org/drawingml/2006/table">
+            <a:tbl>
+              <a:tblPr firstRow="1" bandRow="1">
+                <a:tableStyleId>{073A0DAA-6AF3-43AB-8588-CEC1D06C72B9}</a:tableStyleId>
+              </a:tblPr>
+              <a:tblGrid>
+                <a:gridCol w="6096000">
+                  <a:extLst>
+                    <a:ext uri="{9D8B030D-6E8A-4147-A177-3AD203B41FA5}">
+                      <a16:colId xmlns:a16="http://schemas.microsoft.com/office/drawing/2014/main" val="3784801759"/>
+                    </a:ext>
+                  </a:extLst>
+                </a:gridCol>
+                <a:gridCol w="6096000">
+                  <a:extLst>
+                    <a:ext uri="{9D8B030D-6E8A-4147-A177-3AD203B41FA5}">
+                      <a16:colId xmlns:a16="http://schemas.microsoft.com/office/drawing/2014/main" val="1810781919"/>
+                    </a:ext>
+                  </a:extLst>
+                </a:gridCol>
+              </a:tblGrid>
+              <a:tr h="744194">
+                <a:tc>
+                  <a:txBody>
+                    <a:bodyPr/>
+                    <a:lstStyle/>
+                    <a:p>
+                      <a:pPr algn="ctr"/>
+                      <a:r>
+                        <a:rPr lang="de-DE" sz="3200" dirty="0"/>
+                        <a:t>Analyse</a:t>
+                      </a:r>
+                      <a:endParaRPr lang="en-US" sz="3200" dirty="0"/>
+                    </a:p>
+                  </a:txBody>
+                  <a:tcPr anchor="ctr"/>
+                </a:tc>
+                <a:tc>
+                  <a:txBody>
+                    <a:bodyPr/>
+                    <a:lstStyle/>
+                    <a:p>
+                      <a:pPr algn="ctr"/>
+                      <a:r>
+                        <a:rPr lang="de-DE" sz="3200" dirty="0"/>
+                        <a:t>Entwurf</a:t>
+                      </a:r>
+                      <a:endParaRPr lang="en-US" sz="3200" dirty="0"/>
+                    </a:p>
+                  </a:txBody>
+                  <a:tcPr anchor="ctr"/>
+                </a:tc>
+                <a:extLst>
+                  <a:ext uri="{0D108BD9-81ED-4DB2-BD59-A6C34878D82A}">
+                    <a16:rowId xmlns:a16="http://schemas.microsoft.com/office/drawing/2014/main" val="3253264741"/>
+                  </a:ext>
+                </a:extLst>
+              </a:tr>
+              <a:tr h="1305101">
+                <a:tc>
+                  <a:txBody>
+                    <a:bodyPr/>
+                    <a:lstStyle/>
+                    <a:p>
+                      <a:r>
+                        <a:rPr lang="de-DE" dirty="0"/>
+                        <a:t>Anforderungen -&gt; Klassenstruktur</a:t>
+                      </a:r>
+                    </a:p>
+                    <a:p>
+                      <a:r>
+                        <a:rPr lang="de-DE" dirty="0"/>
+                        <a:t>Erste Überlegung</a:t>
+                      </a:r>
+                      <a:endParaRPr lang="en-US" dirty="0"/>
+                    </a:p>
+                  </a:txBody>
+                  <a:tcPr/>
+                </a:tc>
+                <a:tc>
+                  <a:txBody>
+                    <a:bodyPr/>
+                    <a:lstStyle/>
+                    <a:p>
+                      <a:r>
+                        <a:rPr lang="de-DE" dirty="0"/>
+                        <a:t>Klassenstruktur -&gt; Detaillierte Klassen</a:t>
+                      </a:r>
+                    </a:p>
+                    <a:p>
+                      <a:r>
+                        <a:rPr lang="de-DE" dirty="0"/>
+                        <a:t>Umsetzungsnah, Entwurfsziele</a:t>
+                      </a:r>
+                    </a:p>
+                    <a:p>
+                      <a:r>
+                        <a:rPr lang="de-DE" dirty="0"/>
+                        <a:t>Verfeinert die Analyseklassen durch Detailspezifikation</a:t>
+                      </a:r>
+                    </a:p>
+                    <a:p>
+                      <a:r>
+                        <a:rPr lang="de-DE" dirty="0"/>
+                        <a:t>(-&gt; alle Attribute und Operationen für Funktionalität, OOAD ) </a:t>
+                      </a:r>
+                      <a:endParaRPr lang="en-US" dirty="0"/>
+                    </a:p>
+                  </a:txBody>
+                  <a:tcPr/>
+                </a:tc>
+                <a:extLst>
+                  <a:ext uri="{0D108BD9-81ED-4DB2-BD59-A6C34878D82A}">
+                    <a16:rowId xmlns:a16="http://schemas.microsoft.com/office/drawing/2014/main" val="208093943"/>
+                  </a:ext>
+                </a:extLst>
+              </a:tr>
+              <a:tr h="1281049">
+                <a:tc>
+                  <a:txBody>
+                    <a:bodyPr/>
+                    <a:lstStyle/>
+                    <a:p>
+                      <a:r>
+                        <a:rPr lang="de-DE" dirty="0"/>
+                        <a:t>Vereinfachtes Klassendiagramm </a:t>
+                      </a:r>
+                    </a:p>
+                    <a:p>
+                      <a:r>
+                        <a:rPr lang="de-DE" dirty="0"/>
+                        <a:t>Symbole (Dialog-, Steuerungs-, Entitäts-Klasse )</a:t>
+                      </a:r>
+                      <a:endParaRPr lang="en-US" dirty="0"/>
+                    </a:p>
+                  </a:txBody>
+                  <a:tcPr/>
+                </a:tc>
+                <a:tc>
+                  <a:txBody>
+                    <a:bodyPr/>
+                    <a:lstStyle/>
+                    <a:p>
+                      <a:r>
+                        <a:rPr lang="de-DE" dirty="0"/>
+                        <a:t>Klassendiagramm (UML), v.a. </a:t>
+                      </a:r>
+                      <a:r>
+                        <a:rPr lang="en-US" dirty="0" err="1"/>
+                        <a:t>relevante</a:t>
+                      </a:r>
+                      <a:r>
+                        <a:rPr lang="en-US" dirty="0"/>
+                        <a:t> </a:t>
+                      </a:r>
+                      <a:r>
+                        <a:rPr lang="en-US" dirty="0" err="1"/>
+                        <a:t>Ausschnitte</a:t>
+                      </a:r>
+                      <a:endParaRPr lang="de-DE" dirty="0"/>
+                    </a:p>
+                    <a:p>
+                      <a:r>
+                        <a:rPr lang="de-DE" dirty="0"/>
+                        <a:t>Mehr Details als im Analysemodell </a:t>
+                      </a:r>
+                      <a:endParaRPr lang="en-US" dirty="0"/>
+                    </a:p>
+                  </a:txBody>
+                  <a:tcPr/>
+                </a:tc>
+                <a:extLst>
+                  <a:ext uri="{0D108BD9-81ED-4DB2-BD59-A6C34878D82A}">
+                    <a16:rowId xmlns:a16="http://schemas.microsoft.com/office/drawing/2014/main" val="1800220227"/>
+                  </a:ext>
+                </a:extLst>
+              </a:tr>
+              <a:tr h="1907455">
+                <a:tc>
+                  <a:txBody>
+                    <a:bodyPr/>
+                    <a:lstStyle/>
+                    <a:p>
+                      <a:pPr marL="285750" indent="-285750">
+                        <a:buFont typeface="Arial" panose="020B0604020202020204" pitchFamily="34" charset="0"/>
+                        <a:buChar char="•"/>
+                      </a:pPr>
+                      <a:r>
+                        <a:rPr lang="de-DE" dirty="0"/>
+                        <a:t>Klassenkandidaten aus den Anforderungen</a:t>
+                      </a:r>
+                    </a:p>
+                    <a:p>
+                      <a:pPr marL="285750" indent="-285750">
+                        <a:buFont typeface="Arial" panose="020B0604020202020204" pitchFamily="34" charset="0"/>
+                        <a:buChar char="•"/>
+                      </a:pPr>
+                      <a:r>
+                        <a:rPr lang="de-DE" dirty="0"/>
+                        <a:t>Operationen der Klassen </a:t>
+                      </a:r>
+                    </a:p>
+                    <a:p>
+                      <a:pPr marL="285750" indent="-285750">
+                        <a:buFont typeface="Arial" panose="020B0604020202020204" pitchFamily="34" charset="0"/>
+                        <a:buChar char="•"/>
+                      </a:pPr>
+                      <a:r>
+                        <a:rPr lang="de-DE" dirty="0"/>
+                        <a:t>Vererbung &amp; Assoziationen beschreiben</a:t>
+                      </a:r>
+                    </a:p>
+                    <a:p>
+                      <a:pPr marL="285750" indent="-285750">
+                        <a:buFont typeface="Arial" panose="020B0604020202020204" pitchFamily="34" charset="0"/>
+                        <a:buChar char="•"/>
+                      </a:pPr>
+                      <a:r>
+                        <a:rPr lang="de-DE" dirty="0"/>
+                        <a:t>Klassendiagramm konsolidieren</a:t>
+                      </a:r>
+                      <a:endParaRPr lang="en-US" dirty="0"/>
+                    </a:p>
+                  </a:txBody>
+                  <a:tcPr/>
+                </a:tc>
+                <a:tc>
+                  <a:txBody>
+                    <a:bodyPr/>
+                    <a:lstStyle/>
+                    <a:p>
+                      <a:pPr marL="285750" indent="-285750">
+                        <a:buFont typeface="Arial" panose="020B0604020202020204" pitchFamily="34" charset="0"/>
+                        <a:buChar char="•"/>
+                      </a:pPr>
+                      <a:r>
+                        <a:rPr lang="de-DE" dirty="0"/>
+                        <a:t>Vollständige Listen der Attribute und Operationen </a:t>
+                      </a:r>
+                    </a:p>
+                    <a:p>
+                      <a:pPr marL="285750" indent="-285750">
+                        <a:buFont typeface="Arial" panose="020B0604020202020204" pitchFamily="34" charset="0"/>
+                        <a:buChar char="•"/>
+                      </a:pPr>
+                      <a:r>
+                        <a:rPr lang="en-US" dirty="0" err="1"/>
+                        <a:t>Festlegung</a:t>
+                      </a:r>
+                      <a:r>
+                        <a:rPr lang="en-US" dirty="0"/>
+                        <a:t> von </a:t>
+                      </a:r>
+                      <a:r>
+                        <a:rPr lang="en-US" dirty="0" err="1"/>
+                        <a:t>Datentypen</a:t>
+                      </a:r>
+                      <a:r>
+                        <a:rPr lang="en-US" dirty="0"/>
+                        <a:t>, </a:t>
+                      </a:r>
+                      <a:r>
+                        <a:rPr lang="en-US" dirty="0" err="1"/>
+                        <a:t>Sichtbarkeit</a:t>
+                      </a:r>
+                      <a:r>
+                        <a:rPr lang="en-US" dirty="0"/>
+                        <a:t> </a:t>
+                      </a:r>
+                    </a:p>
+                    <a:p>
+                      <a:pPr marL="285750" indent="-285750">
+                        <a:buFont typeface="Arial" panose="020B0604020202020204" pitchFamily="34" charset="0"/>
+                        <a:buChar char="•"/>
+                      </a:pPr>
+                      <a:r>
+                        <a:rPr lang="en-US" dirty="0" err="1"/>
+                        <a:t>Spezifikation</a:t>
+                      </a:r>
+                      <a:r>
+                        <a:rPr lang="en-US" dirty="0"/>
+                        <a:t> der </a:t>
+                      </a:r>
+                      <a:r>
+                        <a:rPr lang="en-US" dirty="0" err="1"/>
+                        <a:t>Operationen</a:t>
+                      </a:r>
+                      <a:r>
+                        <a:rPr lang="en-US" dirty="0"/>
+                        <a:t> </a:t>
+                      </a:r>
+                    </a:p>
+                    <a:p>
+                      <a:pPr marL="285750" indent="-285750">
+                        <a:buFont typeface="Arial" panose="020B0604020202020204" pitchFamily="34" charset="0"/>
+                        <a:buChar char="•"/>
+                      </a:pPr>
+                      <a:r>
+                        <a:rPr lang="en-US" dirty="0"/>
+                        <a:t>Definition von </a:t>
+                      </a:r>
+                      <a:r>
+                        <a:rPr lang="en-US" dirty="0" err="1"/>
+                        <a:t>Ausnahmen</a:t>
+                      </a:r>
+                      <a:r>
+                        <a:rPr lang="en-US" dirty="0"/>
+                        <a:t> </a:t>
+                      </a:r>
+                    </a:p>
+                    <a:p>
+                      <a:pPr marL="285750" indent="-285750">
+                        <a:buFont typeface="Arial" panose="020B0604020202020204" pitchFamily="34" charset="0"/>
+                        <a:buChar char="•"/>
+                      </a:pPr>
+                      <a:r>
+                        <a:rPr lang="en-US" dirty="0" err="1"/>
+                        <a:t>Konkretisierung</a:t>
+                      </a:r>
+                      <a:r>
+                        <a:rPr lang="en-US" dirty="0"/>
+                        <a:t> von </a:t>
+                      </a:r>
+                      <a:r>
+                        <a:rPr lang="en-US" dirty="0" err="1"/>
+                        <a:t>Datenstrukturen</a:t>
+                      </a:r>
+                      <a:endParaRPr lang="en-US" dirty="0"/>
+                    </a:p>
+                    <a:p>
+                      <a:pPr marL="285750" indent="-285750">
+                        <a:buFont typeface="Arial" panose="020B0604020202020204" pitchFamily="34" charset="0"/>
+                        <a:buChar char="•"/>
+                      </a:pPr>
+                      <a:r>
+                        <a:rPr lang="en-US" dirty="0"/>
+                        <a:t>Elimination von </a:t>
+                      </a:r>
+                      <a:r>
+                        <a:rPr lang="en-US" dirty="0" err="1"/>
+                        <a:t>Mehrfachvererbung</a:t>
+                      </a:r>
+                      <a:endParaRPr lang="en-US" dirty="0"/>
+                    </a:p>
+                  </a:txBody>
+                  <a:tcPr/>
+                </a:tc>
+                <a:extLst>
+                  <a:ext uri="{0D108BD9-81ED-4DB2-BD59-A6C34878D82A}">
+                    <a16:rowId xmlns:a16="http://schemas.microsoft.com/office/drawing/2014/main" val="1368103196"/>
+                  </a:ext>
+                </a:extLst>
+              </a:tr>
+            </a:tbl>
+          </a:graphicData>
+        </a:graphic>
+      </p:graphicFrame>
     </p:spTree>
     <p:extLst>
       <p:ext uri="{BB962C8B-B14F-4D97-AF65-F5344CB8AC3E}">
@@ -4375,7 +5501,7 @@
           <a:p>
             <a:r>
               <a:rPr lang="en-US" dirty="0"/>
-              <a:t>Storage (MM VS PM)</a:t>
+              <a:t>Storage: PM</a:t>
             </a:r>
           </a:p>
         </p:txBody>
@@ -4396,12 +5522,204 @@
             <p:ph idx="1"/>
           </p:nvPr>
         </p:nvSpPr>
-        <p:spPr/>
-        <p:txBody>
-          <a:bodyPr/>
+        <p:spPr>
+          <a:xfrm>
+            <a:off x="838200" y="1825625"/>
+            <a:ext cx="10515600" cy="4667250"/>
+          </a:xfrm>
+        </p:spPr>
+        <p:txBody>
+          <a:bodyPr>
+            <a:normAutofit/>
+          </a:bodyPr>
           <a:lstStyle/>
           <a:p>
-            <a:endParaRPr lang="en-US"/>
+            <a:pPr marL="0" indent="0">
+              <a:buNone/>
+            </a:pPr>
+            <a:r>
+              <a:rPr lang="en-US" dirty="0" err="1">
+                <a:latin typeface="Consolas" panose="020B0609020204030204" pitchFamily="49" charset="0"/>
+              </a:rPr>
+              <a:t>SerialStorage</a:t>
+            </a:r>
+            <a:r>
+              <a:rPr lang="en-US" dirty="0"/>
+              <a:t>:</a:t>
+            </a:r>
+          </a:p>
+          <a:p>
+            <a:r>
+              <a:rPr lang="en-US" dirty="0" err="1"/>
+              <a:t>Implementiert</a:t>
+            </a:r>
+            <a:r>
+              <a:rPr lang="en-US" dirty="0"/>
+              <a:t> </a:t>
+            </a:r>
+            <a:r>
+              <a:rPr lang="en-US" dirty="0" err="1"/>
+              <a:t>als</a:t>
+            </a:r>
+            <a:r>
+              <a:rPr lang="en-US" dirty="0"/>
+              <a:t> Singleton (Was </a:t>
+            </a:r>
+            <a:r>
+              <a:rPr lang="en-US" dirty="0" err="1"/>
+              <a:t>folgt</a:t>
+            </a:r>
+            <a:r>
+              <a:rPr lang="en-US" dirty="0"/>
+              <a:t> </a:t>
+            </a:r>
+            <a:r>
+              <a:rPr lang="en-US" dirty="0" err="1"/>
+              <a:t>daraus</a:t>
+            </a:r>
+            <a:r>
+              <a:rPr lang="en-US" dirty="0"/>
+              <a:t>?)</a:t>
+            </a:r>
+          </a:p>
+          <a:p>
+            <a:r>
+              <a:rPr lang="en-US" dirty="0" err="1"/>
+              <a:t>Persistieren</a:t>
+            </a:r>
+            <a:r>
+              <a:rPr lang="en-US" dirty="0"/>
+              <a:t> </a:t>
+            </a:r>
+            <a:r>
+              <a:rPr lang="en-US" dirty="0" err="1"/>
+              <a:t>über</a:t>
+            </a:r>
+            <a:r>
+              <a:rPr lang="en-US" dirty="0"/>
+              <a:t> </a:t>
+            </a:r>
+            <a:r>
+              <a:rPr lang="en-US" dirty="0" err="1"/>
+              <a:t>Dateien</a:t>
+            </a:r>
+            <a:r>
+              <a:rPr lang="en-US" dirty="0"/>
+              <a:t> (.ser)</a:t>
+            </a:r>
+          </a:p>
+          <a:p>
+            <a:r>
+              <a:rPr lang="en-US" dirty="0" err="1"/>
+              <a:t>Datei-Interaktionen</a:t>
+            </a:r>
+            <a:r>
+              <a:rPr lang="en-US" dirty="0"/>
+              <a:t> in: </a:t>
+            </a:r>
+            <a:r>
+              <a:rPr lang="en-US" dirty="0">
+                <a:latin typeface="Consolas" panose="020B0609020204030204" pitchFamily="49" charset="0"/>
+              </a:rPr>
+              <a:t>clear, </a:t>
+            </a:r>
+            <a:r>
+              <a:rPr lang="en-US" dirty="0" err="1">
+                <a:latin typeface="Consolas" panose="020B0609020204030204" pitchFamily="49" charset="0"/>
+              </a:rPr>
+              <a:t>saveAll</a:t>
+            </a:r>
+            <a:r>
+              <a:rPr lang="en-US" dirty="0">
+                <a:latin typeface="Consolas" panose="020B0609020204030204" pitchFamily="49" charset="0"/>
+              </a:rPr>
+              <a:t>, </a:t>
+            </a:r>
+            <a:r>
+              <a:rPr lang="en-US" dirty="0" err="1">
+                <a:latin typeface="Consolas" panose="020B0609020204030204" pitchFamily="49" charset="0"/>
+              </a:rPr>
+              <a:t>loadAll</a:t>
+            </a:r>
+            <a:endParaRPr lang="en-US" dirty="0">
+              <a:latin typeface="Consolas" panose="020B0609020204030204" pitchFamily="49" charset="0"/>
+            </a:endParaRPr>
+          </a:p>
+          <a:p>
+            <a:pPr lvl="1"/>
+            <a:r>
+              <a:rPr lang="en-US" dirty="0" err="1"/>
+              <a:t>Mithilfe</a:t>
+            </a:r>
+            <a:r>
+              <a:rPr lang="en-US" dirty="0"/>
+              <a:t> der </a:t>
+            </a:r>
+            <a:r>
+              <a:rPr lang="en-US" dirty="0" err="1"/>
+              <a:t>Klasse</a:t>
+            </a:r>
+            <a:r>
+              <a:rPr lang="en-US" dirty="0"/>
+              <a:t>: </a:t>
+            </a:r>
+            <a:r>
+              <a:rPr lang="en-US" dirty="0">
+                <a:latin typeface="Consolas" panose="020B0609020204030204" pitchFamily="49" charset="0"/>
+              </a:rPr>
+              <a:t>Serial</a:t>
+            </a:r>
+          </a:p>
+          <a:p>
+            <a:r>
+              <a:rPr lang="en-US" dirty="0" err="1"/>
+              <a:t>Zur</a:t>
+            </a:r>
+            <a:r>
+              <a:rPr lang="en-US" dirty="0"/>
+              <a:t> </a:t>
+            </a:r>
+            <a:r>
+              <a:rPr lang="en-US" dirty="0" err="1"/>
+              <a:t>Laufzeit</a:t>
+            </a:r>
+            <a:r>
+              <a:rPr lang="en-US" dirty="0"/>
+              <a:t> </a:t>
+            </a:r>
+            <a:r>
+              <a:rPr lang="en-US" dirty="0" err="1"/>
+              <a:t>über</a:t>
+            </a:r>
+            <a:r>
+              <a:rPr lang="en-US" dirty="0"/>
+              <a:t>: </a:t>
+            </a:r>
+            <a:r>
+              <a:rPr lang="en-US" dirty="0" err="1">
+                <a:latin typeface="Consolas" panose="020B0609020204030204" pitchFamily="49" charset="0"/>
+              </a:rPr>
+              <a:t>ArrayList</a:t>
+            </a:r>
+            <a:r>
+              <a:rPr lang="en-US" dirty="0">
+                <a:latin typeface="Consolas" panose="020B0609020204030204" pitchFamily="49" charset="0"/>
+              </a:rPr>
+              <a:t> </a:t>
+            </a:r>
+            <a:r>
+              <a:rPr lang="en-US" dirty="0"/>
+              <a:t>und</a:t>
+            </a:r>
+            <a:r>
+              <a:rPr lang="en-US" dirty="0">
+                <a:latin typeface="Consolas" panose="020B0609020204030204" pitchFamily="49" charset="0"/>
+              </a:rPr>
+              <a:t> HashMap</a:t>
+            </a:r>
+          </a:p>
+          <a:p>
+            <a:endParaRPr lang="en-US" dirty="0"/>
           </a:p>
         </p:txBody>
       </p:sp>
@@ -4409,6 +5727,1111 @@
     <p:extLst>
       <p:ext uri="{BB962C8B-B14F-4D97-AF65-F5344CB8AC3E}">
         <p14:creationId xmlns:p14="http://schemas.microsoft.com/office/powerpoint/2010/main" val="338054313"/>
+      </p:ext>
+    </p:extLst>
+  </p:cSld>
+  <p:clrMapOvr>
+    <a:masterClrMapping/>
+  </p:clrMapOvr>
+</p:sld>
+</file>
+
+<file path=ppt/slides/slide7.xml><?xml version="1.0" encoding="utf-8"?>
+<p:sld xmlns:a="http://schemas.openxmlformats.org/drawingml/2006/main" xmlns:r="http://schemas.openxmlformats.org/officeDocument/2006/relationships" xmlns:p="http://schemas.openxmlformats.org/presentationml/2006/main">
+  <p:cSld>
+    <p:spTree>
+      <p:nvGrpSpPr>
+        <p:cNvPr id="1" name=""/>
+        <p:cNvGrpSpPr/>
+        <p:nvPr/>
+      </p:nvGrpSpPr>
+      <p:grpSpPr>
+        <a:xfrm>
+          <a:off x="0" y="0"/>
+          <a:ext cx="0" cy="0"/>
+          <a:chOff x="0" y="0"/>
+          <a:chExt cx="0" cy="0"/>
+        </a:xfrm>
+      </p:grpSpPr>
+      <p:sp>
+        <p:nvSpPr>
+          <p:cNvPr id="2" name="Title 1">
+            <a:extLst>
+              <a:ext uri="{FF2B5EF4-FFF2-40B4-BE49-F238E27FC236}">
+                <a16:creationId xmlns:a16="http://schemas.microsoft.com/office/drawing/2014/main" id="{4F9CB586-C069-4DAC-962E-AB7339250424}"/>
+              </a:ext>
+            </a:extLst>
+          </p:cNvPr>
+          <p:cNvSpPr>
+            <a:spLocks noGrp="1"/>
+          </p:cNvSpPr>
+          <p:nvPr>
+            <p:ph type="title"/>
+          </p:nvPr>
+        </p:nvSpPr>
+        <p:spPr/>
+        <p:txBody>
+          <a:bodyPr/>
+          <a:lstStyle/>
+          <a:p>
+            <a:r>
+              <a:rPr lang="en-US" dirty="0" err="1"/>
+              <a:t>Übung</a:t>
+            </a:r>
+            <a:r>
+              <a:rPr lang="en-US" dirty="0"/>
+              <a:t>: Remove </a:t>
+            </a:r>
+            <a:r>
+              <a:rPr lang="en-US" dirty="0" err="1"/>
+              <a:t>Pokemon</a:t>
+            </a:r>
+            <a:endParaRPr lang="en-US" dirty="0"/>
+          </a:p>
+        </p:txBody>
+      </p:sp>
+      <p:sp>
+        <p:nvSpPr>
+          <p:cNvPr id="3" name="Content Placeholder 2">
+            <a:extLst>
+              <a:ext uri="{FF2B5EF4-FFF2-40B4-BE49-F238E27FC236}">
+                <a16:creationId xmlns:a16="http://schemas.microsoft.com/office/drawing/2014/main" id="{AFBA2A18-69C3-4932-A704-A7A99C8EC363}"/>
+              </a:ext>
+            </a:extLst>
+          </p:cNvPr>
+          <p:cNvSpPr>
+            <a:spLocks noGrp="1"/>
+          </p:cNvSpPr>
+          <p:nvPr>
+            <p:ph idx="1"/>
+          </p:nvPr>
+        </p:nvSpPr>
+        <p:spPr>
+          <a:xfrm>
+            <a:off x="838200" y="1825625"/>
+            <a:ext cx="10515600" cy="1603375"/>
+          </a:xfrm>
+        </p:spPr>
+        <p:txBody>
+          <a:bodyPr>
+            <a:normAutofit lnSpcReduction="10000"/>
+          </a:bodyPr>
+          <a:lstStyle/>
+          <a:p>
+            <a:r>
+              <a:rPr lang="en-US" dirty="0" err="1"/>
+              <a:t>Stellen</a:t>
+            </a:r>
+            <a:r>
+              <a:rPr lang="en-US" dirty="0"/>
+              <a:t> Sie </a:t>
+            </a:r>
+            <a:r>
+              <a:rPr lang="en-US" dirty="0" err="1">
+                <a:latin typeface="Consolas" panose="020B0609020204030204" pitchFamily="49" charset="0"/>
+              </a:rPr>
+              <a:t>aus</a:t>
+            </a:r>
+            <a:r>
+              <a:rPr lang="en-US" dirty="0">
+                <a:latin typeface="Consolas" panose="020B0609020204030204" pitchFamily="49" charset="0"/>
+              </a:rPr>
+              <a:t> </a:t>
+            </a:r>
+            <a:r>
+              <a:rPr lang="en-US" dirty="0" err="1">
+                <a:latin typeface="Consolas" panose="020B0609020204030204" pitchFamily="49" charset="0"/>
+              </a:rPr>
+              <a:t>MainActivity</a:t>
+            </a:r>
+            <a:r>
+              <a:rPr lang="en-US" dirty="0">
+                <a:latin typeface="Consolas" panose="020B0609020204030204" pitchFamily="49" charset="0"/>
+              </a:rPr>
+              <a:t>::</a:t>
+            </a:r>
+            <a:r>
+              <a:rPr lang="en-US" dirty="0" err="1">
+                <a:latin typeface="Consolas" panose="020B0609020204030204" pitchFamily="49" charset="0"/>
+              </a:rPr>
+              <a:t>deletePokemon</a:t>
+            </a:r>
+            <a:r>
+              <a:rPr lang="en-US" dirty="0">
+                <a:latin typeface="Consolas" panose="020B0609020204030204" pitchFamily="49" charset="0"/>
+              </a:rPr>
+              <a:t> </a:t>
+            </a:r>
+            <a:r>
+              <a:rPr lang="en-US" dirty="0"/>
+              <a:t>den </a:t>
+            </a:r>
+            <a:r>
+              <a:rPr lang="en-US" dirty="0" err="1"/>
+              <a:t>Inhalt</a:t>
+            </a:r>
+            <a:r>
+              <a:rPr lang="en-US" dirty="0"/>
+              <a:t> des </a:t>
+            </a:r>
+            <a:r>
+              <a:rPr lang="en-US" dirty="0" err="1">
+                <a:latin typeface="Consolas" panose="020B0609020204030204" pitchFamily="49" charset="0"/>
+              </a:rPr>
+              <a:t>onClickListeners</a:t>
+            </a:r>
+            <a:r>
+              <a:rPr lang="en-US" dirty="0"/>
+              <a:t> des </a:t>
+            </a:r>
+            <a:r>
+              <a:rPr lang="en-US" dirty="0" err="1">
+                <a:latin typeface="Consolas" panose="020B0609020204030204" pitchFamily="49" charset="0"/>
+              </a:rPr>
+              <a:t>positiveButtons</a:t>
+            </a:r>
+            <a:r>
+              <a:rPr lang="en-US" dirty="0"/>
+              <a:t> </a:t>
+            </a:r>
+            <a:r>
+              <a:rPr lang="en-US" dirty="0" err="1"/>
+              <a:t>als</a:t>
+            </a:r>
+            <a:r>
+              <a:rPr lang="en-US" dirty="0"/>
+              <a:t> </a:t>
+            </a:r>
+            <a:r>
+              <a:rPr lang="en-US" dirty="0" err="1"/>
+              <a:t>Sequenzdiagramm</a:t>
+            </a:r>
+            <a:r>
+              <a:rPr lang="en-US" dirty="0"/>
+              <a:t> </a:t>
+            </a:r>
+            <a:r>
+              <a:rPr lang="en-US" dirty="0" err="1"/>
+              <a:t>dar</a:t>
+            </a:r>
+            <a:r>
+              <a:rPr lang="en-US" dirty="0"/>
+              <a:t>. </a:t>
+            </a:r>
+            <a:r>
+              <a:rPr lang="en-US" dirty="0" err="1"/>
+              <a:t>Gehen</a:t>
+            </a:r>
+            <a:r>
+              <a:rPr lang="en-US" dirty="0"/>
+              <a:t> </a:t>
+            </a:r>
+            <a:r>
+              <a:rPr lang="en-US" dirty="0" err="1"/>
+              <a:t>sie</a:t>
+            </a:r>
+            <a:r>
+              <a:rPr lang="en-US" dirty="0"/>
+              <a:t> </a:t>
+            </a:r>
+            <a:r>
+              <a:rPr lang="en-US" dirty="0" err="1"/>
+              <a:t>dabei</a:t>
+            </a:r>
+            <a:r>
+              <a:rPr lang="en-US" dirty="0"/>
+              <a:t> so </a:t>
+            </a:r>
+            <a:r>
+              <a:rPr lang="en-US" dirty="0" err="1"/>
+              <a:t>tief</a:t>
+            </a:r>
+            <a:r>
+              <a:rPr lang="en-US" dirty="0"/>
+              <a:t> </a:t>
+            </a:r>
+            <a:r>
+              <a:rPr lang="en-US" dirty="0" err="1"/>
+              <a:t>wie</a:t>
+            </a:r>
+            <a:r>
+              <a:rPr lang="en-US" dirty="0"/>
+              <a:t> </a:t>
+            </a:r>
+            <a:r>
+              <a:rPr lang="en-US" dirty="0" err="1"/>
+              <a:t>möglich</a:t>
+            </a:r>
+            <a:r>
+              <a:rPr lang="en-US" dirty="0"/>
+              <a:t> </a:t>
+            </a:r>
+            <a:r>
+              <a:rPr lang="en-US" dirty="0" err="1"/>
+              <a:t>innerhalb</a:t>
+            </a:r>
+            <a:r>
+              <a:rPr lang="en-US" dirty="0"/>
+              <a:t> des </a:t>
+            </a:r>
+            <a:r>
+              <a:rPr lang="en-US" dirty="0" err="1"/>
+              <a:t>Projektes</a:t>
+            </a:r>
+            <a:r>
+              <a:rPr lang="en-US" dirty="0"/>
+              <a:t> die </a:t>
+            </a:r>
+            <a:r>
+              <a:rPr lang="en-US" dirty="0" err="1"/>
+              <a:t>Auführ-Pfade</a:t>
+            </a:r>
+            <a:r>
+              <a:rPr lang="en-US" dirty="0"/>
+              <a:t> </a:t>
+            </a:r>
+            <a:r>
+              <a:rPr lang="en-US" dirty="0" err="1"/>
+              <a:t>entlang</a:t>
+            </a:r>
+            <a:r>
+              <a:rPr lang="en-US" dirty="0"/>
+              <a:t>.</a:t>
+            </a:r>
+          </a:p>
+        </p:txBody>
+      </p:sp>
+      <p:sp>
+        <p:nvSpPr>
+          <p:cNvPr id="5" name="Content Placeholder 2">
+            <a:extLst>
+              <a:ext uri="{FF2B5EF4-FFF2-40B4-BE49-F238E27FC236}">
+                <a16:creationId xmlns:a16="http://schemas.microsoft.com/office/drawing/2014/main" id="{B69D8482-FD25-40D5-B6E2-4189EAD326FB}"/>
+              </a:ext>
+            </a:extLst>
+          </p:cNvPr>
+          <p:cNvSpPr txBox="1">
+            <a:spLocks/>
+          </p:cNvSpPr>
+          <p:nvPr/>
+        </p:nvSpPr>
+        <p:spPr>
+          <a:xfrm>
+            <a:off x="838200" y="3706813"/>
+            <a:ext cx="10515600" cy="2786062"/>
+          </a:xfrm>
+          <a:prstGeom prst="rect">
+            <a:avLst/>
+          </a:prstGeom>
+        </p:spPr>
+        <p:txBody>
+          <a:bodyPr vert="horz" lIns="91440" tIns="45720" rIns="91440" bIns="45720" rtlCol="0">
+            <a:normAutofit lnSpcReduction="10000"/>
+          </a:bodyPr>
+          <a:lstStyle>
+            <a:lvl1pPr marL="228600" indent="-228600" algn="l" defTabSz="914400" rtl="0" eaLnBrk="1" latinLnBrk="0" hangingPunct="1">
+              <a:lnSpc>
+                <a:spcPct val="90000"/>
+              </a:lnSpc>
+              <a:spcBef>
+                <a:spcPts val="1000"/>
+              </a:spcBef>
+              <a:buFont typeface="Arial" panose="020B0604020202020204" pitchFamily="34" charset="0"/>
+              <a:buChar char="•"/>
+              <a:defRPr sz="2800" kern="1200">
+                <a:solidFill>
+                  <a:schemeClr val="tx1"/>
+                </a:solidFill>
+                <a:latin typeface="+mn-lt"/>
+                <a:ea typeface="+mn-ea"/>
+                <a:cs typeface="+mn-cs"/>
+              </a:defRPr>
+            </a:lvl1pPr>
+            <a:lvl2pPr marL="685800" indent="-228600" algn="l" defTabSz="914400" rtl="0" eaLnBrk="1" latinLnBrk="0" hangingPunct="1">
+              <a:lnSpc>
+                <a:spcPct val="90000"/>
+              </a:lnSpc>
+              <a:spcBef>
+                <a:spcPts val="500"/>
+              </a:spcBef>
+              <a:buFont typeface="Arial" panose="020B0604020202020204" pitchFamily="34" charset="0"/>
+              <a:buChar char="•"/>
+              <a:defRPr sz="2400" kern="1200">
+                <a:solidFill>
+                  <a:schemeClr val="tx1"/>
+                </a:solidFill>
+                <a:latin typeface="+mn-lt"/>
+                <a:ea typeface="+mn-ea"/>
+                <a:cs typeface="+mn-cs"/>
+              </a:defRPr>
+            </a:lvl2pPr>
+            <a:lvl3pPr marL="1143000" indent="-228600" algn="l" defTabSz="914400" rtl="0" eaLnBrk="1" latinLnBrk="0" hangingPunct="1">
+              <a:lnSpc>
+                <a:spcPct val="90000"/>
+              </a:lnSpc>
+              <a:spcBef>
+                <a:spcPts val="500"/>
+              </a:spcBef>
+              <a:buFont typeface="Arial" panose="020B0604020202020204" pitchFamily="34" charset="0"/>
+              <a:buChar char="•"/>
+              <a:defRPr sz="2000" kern="1200">
+                <a:solidFill>
+                  <a:schemeClr val="tx1"/>
+                </a:solidFill>
+                <a:latin typeface="+mn-lt"/>
+                <a:ea typeface="+mn-ea"/>
+                <a:cs typeface="+mn-cs"/>
+              </a:defRPr>
+            </a:lvl3pPr>
+            <a:lvl4pPr marL="1600200" indent="-228600" algn="l" defTabSz="914400" rtl="0" eaLnBrk="1" latinLnBrk="0" hangingPunct="1">
+              <a:lnSpc>
+                <a:spcPct val="90000"/>
+              </a:lnSpc>
+              <a:spcBef>
+                <a:spcPts val="500"/>
+              </a:spcBef>
+              <a:buFont typeface="Arial" panose="020B0604020202020204" pitchFamily="34" charset="0"/>
+              <a:buChar char="•"/>
+              <a:defRPr sz="1800" kern="1200">
+                <a:solidFill>
+                  <a:schemeClr val="tx1"/>
+                </a:solidFill>
+                <a:latin typeface="+mn-lt"/>
+                <a:ea typeface="+mn-ea"/>
+                <a:cs typeface="+mn-cs"/>
+              </a:defRPr>
+            </a:lvl4pPr>
+            <a:lvl5pPr marL="2057400" indent="-228600" algn="l" defTabSz="914400" rtl="0" eaLnBrk="1" latinLnBrk="0" hangingPunct="1">
+              <a:lnSpc>
+                <a:spcPct val="90000"/>
+              </a:lnSpc>
+              <a:spcBef>
+                <a:spcPts val="500"/>
+              </a:spcBef>
+              <a:buFont typeface="Arial" panose="020B0604020202020204" pitchFamily="34" charset="0"/>
+              <a:buChar char="•"/>
+              <a:defRPr sz="1800" kern="1200">
+                <a:solidFill>
+                  <a:schemeClr val="tx1"/>
+                </a:solidFill>
+                <a:latin typeface="+mn-lt"/>
+                <a:ea typeface="+mn-ea"/>
+                <a:cs typeface="+mn-cs"/>
+              </a:defRPr>
+            </a:lvl5pPr>
+            <a:lvl6pPr marL="2514600" indent="-228600" algn="l" defTabSz="914400" rtl="0" eaLnBrk="1" latinLnBrk="0" hangingPunct="1">
+              <a:lnSpc>
+                <a:spcPct val="90000"/>
+              </a:lnSpc>
+              <a:spcBef>
+                <a:spcPts val="500"/>
+              </a:spcBef>
+              <a:buFont typeface="Arial" panose="020B0604020202020204" pitchFamily="34" charset="0"/>
+              <a:buChar char="•"/>
+              <a:defRPr sz="1800" kern="1200">
+                <a:solidFill>
+                  <a:schemeClr val="tx1"/>
+                </a:solidFill>
+                <a:latin typeface="+mn-lt"/>
+                <a:ea typeface="+mn-ea"/>
+                <a:cs typeface="+mn-cs"/>
+              </a:defRPr>
+            </a:lvl6pPr>
+            <a:lvl7pPr marL="2971800" indent="-228600" algn="l" defTabSz="914400" rtl="0" eaLnBrk="1" latinLnBrk="0" hangingPunct="1">
+              <a:lnSpc>
+                <a:spcPct val="90000"/>
+              </a:lnSpc>
+              <a:spcBef>
+                <a:spcPts val="500"/>
+              </a:spcBef>
+              <a:buFont typeface="Arial" panose="020B0604020202020204" pitchFamily="34" charset="0"/>
+              <a:buChar char="•"/>
+              <a:defRPr sz="1800" kern="1200">
+                <a:solidFill>
+                  <a:schemeClr val="tx1"/>
+                </a:solidFill>
+                <a:latin typeface="+mn-lt"/>
+                <a:ea typeface="+mn-ea"/>
+                <a:cs typeface="+mn-cs"/>
+              </a:defRPr>
+            </a:lvl7pPr>
+            <a:lvl8pPr marL="3429000" indent="-228600" algn="l" defTabSz="914400" rtl="0" eaLnBrk="1" latinLnBrk="0" hangingPunct="1">
+              <a:lnSpc>
+                <a:spcPct val="90000"/>
+              </a:lnSpc>
+              <a:spcBef>
+                <a:spcPts val="500"/>
+              </a:spcBef>
+              <a:buFont typeface="Arial" panose="020B0604020202020204" pitchFamily="34" charset="0"/>
+              <a:buChar char="•"/>
+              <a:defRPr sz="1800" kern="1200">
+                <a:solidFill>
+                  <a:schemeClr val="tx1"/>
+                </a:solidFill>
+                <a:latin typeface="+mn-lt"/>
+                <a:ea typeface="+mn-ea"/>
+                <a:cs typeface="+mn-cs"/>
+              </a:defRPr>
+            </a:lvl8pPr>
+            <a:lvl9pPr marL="3886200" indent="-228600" algn="l" defTabSz="914400" rtl="0" eaLnBrk="1" latinLnBrk="0" hangingPunct="1">
+              <a:lnSpc>
+                <a:spcPct val="90000"/>
+              </a:lnSpc>
+              <a:spcBef>
+                <a:spcPts val="500"/>
+              </a:spcBef>
+              <a:buFont typeface="Arial" panose="020B0604020202020204" pitchFamily="34" charset="0"/>
+              <a:buChar char="•"/>
+              <a:defRPr sz="1800" kern="1200">
+                <a:solidFill>
+                  <a:schemeClr val="tx1"/>
+                </a:solidFill>
+                <a:latin typeface="+mn-lt"/>
+                <a:ea typeface="+mn-ea"/>
+                <a:cs typeface="+mn-cs"/>
+              </a:defRPr>
+            </a:lvl9pPr>
+          </a:lstStyle>
+          <a:p>
+            <a:pPr marL="0" indent="0">
+              <a:buNone/>
+            </a:pPr>
+            <a:r>
+              <a:rPr lang="en-US" dirty="0">
+                <a:latin typeface="Consolas" panose="020B0609020204030204" pitchFamily="49" charset="0"/>
+              </a:rPr>
+              <a:t>.</a:t>
+            </a:r>
+            <a:r>
+              <a:rPr lang="en-US" dirty="0" err="1">
+                <a:latin typeface="Consolas" panose="020B0609020204030204" pitchFamily="49" charset="0"/>
+              </a:rPr>
+              <a:t>setPositiveButton</a:t>
+            </a:r>
+            <a:r>
+              <a:rPr lang="en-US" dirty="0">
+                <a:latin typeface="Consolas" panose="020B0609020204030204" pitchFamily="49" charset="0"/>
+              </a:rPr>
+              <a:t>(</a:t>
+            </a:r>
+            <a:r>
+              <a:rPr lang="en-US" dirty="0" err="1">
+                <a:latin typeface="Consolas" panose="020B0609020204030204" pitchFamily="49" charset="0"/>
+              </a:rPr>
+              <a:t>R.string.delete_confirm</a:t>
+            </a:r>
+            <a:r>
+              <a:rPr lang="en-US" dirty="0">
+                <a:latin typeface="Consolas" panose="020B0609020204030204" pitchFamily="49" charset="0"/>
+              </a:rPr>
+              <a:t>,</a:t>
+            </a:r>
+          </a:p>
+          <a:p>
+            <a:pPr marL="0" indent="0">
+              <a:buNone/>
+            </a:pPr>
+            <a:r>
+              <a:rPr lang="en-US" dirty="0">
+                <a:latin typeface="Consolas" panose="020B0609020204030204" pitchFamily="49" charset="0"/>
+              </a:rPr>
+              <a:t>(dialog, id) -&gt; {</a:t>
+            </a:r>
+          </a:p>
+          <a:p>
+            <a:pPr marL="0" indent="0">
+              <a:buNone/>
+            </a:pPr>
+            <a:r>
+              <a:rPr lang="en-US" dirty="0" err="1">
+                <a:highlight>
+                  <a:srgbClr val="FFFF00"/>
+                </a:highlight>
+                <a:latin typeface="Consolas" panose="020B0609020204030204" pitchFamily="49" charset="0"/>
+              </a:rPr>
+              <a:t>STORAGE.remove</a:t>
+            </a:r>
+            <a:r>
+              <a:rPr lang="en-US" dirty="0">
+                <a:highlight>
+                  <a:srgbClr val="FFFF00"/>
+                </a:highlight>
+                <a:latin typeface="Consolas" panose="020B0609020204030204" pitchFamily="49" charset="0"/>
+              </a:rPr>
+              <a:t>(</a:t>
+            </a:r>
+            <a:r>
+              <a:rPr lang="en-US" dirty="0" err="1">
+                <a:highlight>
+                  <a:srgbClr val="FFFF00"/>
+                </a:highlight>
+                <a:latin typeface="Consolas" panose="020B0609020204030204" pitchFamily="49" charset="0"/>
+              </a:rPr>
+              <a:t>pokemon</a:t>
+            </a:r>
+            <a:r>
+              <a:rPr lang="en-US" dirty="0">
+                <a:highlight>
+                  <a:srgbClr val="FFFF00"/>
+                </a:highlight>
+                <a:latin typeface="Consolas" panose="020B0609020204030204" pitchFamily="49" charset="0"/>
+              </a:rPr>
+              <a:t>);</a:t>
+            </a:r>
+          </a:p>
+          <a:p>
+            <a:pPr marL="0" indent="0">
+              <a:buNone/>
+            </a:pPr>
+            <a:r>
+              <a:rPr lang="en-US" dirty="0" err="1">
+                <a:highlight>
+                  <a:srgbClr val="FFFF00"/>
+                </a:highlight>
+                <a:latin typeface="Consolas" panose="020B0609020204030204" pitchFamily="49" charset="0"/>
+              </a:rPr>
+              <a:t>pokemonAdapter.refresh</a:t>
+            </a:r>
+            <a:r>
+              <a:rPr lang="en-US" dirty="0">
+                <a:highlight>
+                  <a:srgbClr val="FFFF00"/>
+                </a:highlight>
+                <a:latin typeface="Consolas" panose="020B0609020204030204" pitchFamily="49" charset="0"/>
+              </a:rPr>
+              <a:t>();</a:t>
+            </a:r>
+          </a:p>
+          <a:p>
+            <a:pPr marL="0" indent="0">
+              <a:buNone/>
+            </a:pPr>
+            <a:r>
+              <a:rPr lang="en-US" dirty="0" err="1">
+                <a:highlight>
+                  <a:srgbClr val="FFFF00"/>
+                </a:highlight>
+                <a:latin typeface="Consolas" panose="020B0609020204030204" pitchFamily="49" charset="0"/>
+              </a:rPr>
+              <a:t>dialog.dismiss</a:t>
+            </a:r>
+            <a:r>
+              <a:rPr lang="en-US" dirty="0">
+                <a:highlight>
+                  <a:srgbClr val="FFFF00"/>
+                </a:highlight>
+                <a:latin typeface="Consolas" panose="020B0609020204030204" pitchFamily="49" charset="0"/>
+              </a:rPr>
+              <a:t>();</a:t>
+            </a:r>
+          </a:p>
+          <a:p>
+            <a:pPr marL="0" indent="0">
+              <a:buNone/>
+            </a:pPr>
+            <a:r>
+              <a:rPr lang="en-US" dirty="0">
+                <a:latin typeface="Consolas" panose="020B0609020204030204" pitchFamily="49" charset="0"/>
+              </a:rPr>
+              <a:t>})</a:t>
+            </a:r>
+          </a:p>
+        </p:txBody>
+      </p:sp>
+    </p:spTree>
+    <p:extLst>
+      <p:ext uri="{BB962C8B-B14F-4D97-AF65-F5344CB8AC3E}">
+        <p14:creationId xmlns:p14="http://schemas.microsoft.com/office/powerpoint/2010/main" val="2391114056"/>
+      </p:ext>
+    </p:extLst>
+  </p:cSld>
+  <p:clrMapOvr>
+    <a:masterClrMapping/>
+  </p:clrMapOvr>
+</p:sld>
+</file>
+
+<file path=ppt/slides/slide8.xml><?xml version="1.0" encoding="utf-8"?>
+<p:sld xmlns:a="http://schemas.openxmlformats.org/drawingml/2006/main" xmlns:r="http://schemas.openxmlformats.org/officeDocument/2006/relationships" xmlns:p="http://schemas.openxmlformats.org/presentationml/2006/main">
+  <p:cSld>
+    <p:spTree>
+      <p:nvGrpSpPr>
+        <p:cNvPr id="1" name=""/>
+        <p:cNvGrpSpPr/>
+        <p:nvPr/>
+      </p:nvGrpSpPr>
+      <p:grpSpPr>
+        <a:xfrm>
+          <a:off x="0" y="0"/>
+          <a:ext cx="0" cy="0"/>
+          <a:chOff x="0" y="0"/>
+          <a:chExt cx="0" cy="0"/>
+        </a:xfrm>
+      </p:grpSpPr>
+      <p:sp>
+        <p:nvSpPr>
+          <p:cNvPr id="2" name="Title 1">
+            <a:extLst>
+              <a:ext uri="{FF2B5EF4-FFF2-40B4-BE49-F238E27FC236}">
+                <a16:creationId xmlns:a16="http://schemas.microsoft.com/office/drawing/2014/main" id="{4F9CB586-C069-4DAC-962E-AB7339250424}"/>
+              </a:ext>
+            </a:extLst>
+          </p:cNvPr>
+          <p:cNvSpPr>
+            <a:spLocks noGrp="1"/>
+          </p:cNvSpPr>
+          <p:nvPr>
+            <p:ph type="title"/>
+          </p:nvPr>
+        </p:nvSpPr>
+        <p:spPr/>
+        <p:txBody>
+          <a:bodyPr/>
+          <a:lstStyle/>
+          <a:p>
+            <a:r>
+              <a:rPr lang="en-US" dirty="0" err="1"/>
+              <a:t>Übung</a:t>
+            </a:r>
+            <a:r>
+              <a:rPr lang="en-US" dirty="0"/>
+              <a:t>: Remove </a:t>
+            </a:r>
+            <a:r>
+              <a:rPr lang="en-US" dirty="0" err="1"/>
+              <a:t>Pokemon</a:t>
+            </a:r>
+            <a:r>
+              <a:rPr lang="en-US" dirty="0"/>
+              <a:t> 			</a:t>
+            </a:r>
+            <a:r>
+              <a:rPr lang="en-US" b="1" dirty="0"/>
+              <a:t>[</a:t>
+            </a:r>
+            <a:r>
+              <a:rPr lang="en-US" b="1" dirty="0" err="1"/>
+              <a:t>Lösung</a:t>
+            </a:r>
+            <a:r>
+              <a:rPr lang="en-US" b="1" dirty="0"/>
+              <a:t>]</a:t>
+            </a:r>
+          </a:p>
+        </p:txBody>
+      </p:sp>
+      <p:graphicFrame>
+        <p:nvGraphicFramePr>
+          <p:cNvPr id="10" name="Content Placeholder 9">
+            <a:extLst>
+              <a:ext uri="{FF2B5EF4-FFF2-40B4-BE49-F238E27FC236}">
+                <a16:creationId xmlns:a16="http://schemas.microsoft.com/office/drawing/2014/main" id="{A6AA9DBF-42BE-4909-B1E3-0D26E7838EC5}"/>
+              </a:ext>
+            </a:extLst>
+          </p:cNvPr>
+          <p:cNvGraphicFramePr>
+            <a:graphicFrameLocks noGrp="1" noChangeAspect="1"/>
+          </p:cNvGraphicFramePr>
+          <p:nvPr>
+            <p:ph idx="1"/>
+            <p:extLst>
+              <p:ext uri="{D42A27DB-BD31-4B8C-83A1-F6EECF244321}">
+                <p14:modId xmlns:p14="http://schemas.microsoft.com/office/powerpoint/2010/main" val="3395057928"/>
+              </p:ext>
+            </p:extLst>
+          </p:nvPr>
+        </p:nvGraphicFramePr>
+        <p:xfrm>
+          <a:off x="1762125" y="1825625"/>
+          <a:ext cx="8666163" cy="4351338"/>
+        </p:xfrm>
+        <a:graphic>
+          <a:graphicData uri="http://schemas.openxmlformats.org/presentationml/2006/ole">
+            <mc:AlternateContent xmlns:mc="http://schemas.openxmlformats.org/markup-compatibility/2006">
+              <mc:Choice xmlns:v="urn:schemas-microsoft-com:vml" Requires="v">
+                <p:oleObj spid="_x0000_s3087" name="Packager Shell Object" showAsIcon="1" r:id="rId3" imgW="739080" imgH="372240" progId="Package">
+                  <p:embed/>
+                </p:oleObj>
+              </mc:Choice>
+              <mc:Fallback>
+                <p:oleObj name="Packager Shell Object" showAsIcon="1" r:id="rId3" imgW="739080" imgH="372240" progId="Package">
+                  <p:embed/>
+                  <p:pic>
+                    <p:nvPicPr>
+                      <p:cNvPr id="0" name=""/>
+                      <p:cNvPicPr/>
+                      <p:nvPr/>
+                    </p:nvPicPr>
+                    <p:blipFill>
+                      <a:blip r:embed="rId4"/>
+                      <a:stretch>
+                        <a:fillRect/>
+                      </a:stretch>
+                    </p:blipFill>
+                    <p:spPr>
+                      <a:xfrm>
+                        <a:off x="1762125" y="1825625"/>
+                        <a:ext cx="8666163" cy="4351338"/>
+                      </a:xfrm>
+                      <a:prstGeom prst="rect">
+                        <a:avLst/>
+                      </a:prstGeom>
+                    </p:spPr>
+                  </p:pic>
+                </p:oleObj>
+              </mc:Fallback>
+            </mc:AlternateContent>
+          </a:graphicData>
+        </a:graphic>
+      </p:graphicFrame>
+    </p:spTree>
+    <p:extLst>
+      <p:ext uri="{BB962C8B-B14F-4D97-AF65-F5344CB8AC3E}">
+        <p14:creationId xmlns:p14="http://schemas.microsoft.com/office/powerpoint/2010/main" val="3258247483"/>
+      </p:ext>
+    </p:extLst>
+  </p:cSld>
+  <p:clrMapOvr>
+    <a:masterClrMapping/>
+  </p:clrMapOvr>
+</p:sld>
+</file>
+
+<file path=ppt/slides/slide9.xml><?xml version="1.0" encoding="utf-8"?>
+<p:sld xmlns:a="http://schemas.openxmlformats.org/drawingml/2006/main" xmlns:r="http://schemas.openxmlformats.org/officeDocument/2006/relationships" xmlns:p="http://schemas.openxmlformats.org/presentationml/2006/main">
+  <p:cSld>
+    <p:spTree>
+      <p:nvGrpSpPr>
+        <p:cNvPr id="1" name=""/>
+        <p:cNvGrpSpPr/>
+        <p:nvPr/>
+      </p:nvGrpSpPr>
+      <p:grpSpPr>
+        <a:xfrm>
+          <a:off x="0" y="0"/>
+          <a:ext cx="0" cy="0"/>
+          <a:chOff x="0" y="0"/>
+          <a:chExt cx="0" cy="0"/>
+        </a:xfrm>
+      </p:grpSpPr>
+      <p:sp>
+        <p:nvSpPr>
+          <p:cNvPr id="2" name="Title 1">
+            <a:extLst>
+              <a:ext uri="{FF2B5EF4-FFF2-40B4-BE49-F238E27FC236}">
+                <a16:creationId xmlns:a16="http://schemas.microsoft.com/office/drawing/2014/main" id="{3D0309DF-D1D0-4483-AF44-B39E17B5361D}"/>
+              </a:ext>
+            </a:extLst>
+          </p:cNvPr>
+          <p:cNvSpPr>
+            <a:spLocks noGrp="1"/>
+          </p:cNvSpPr>
+          <p:nvPr>
+            <p:ph type="title"/>
+          </p:nvPr>
+        </p:nvSpPr>
+        <p:spPr/>
+        <p:txBody>
+          <a:bodyPr/>
+          <a:lstStyle/>
+          <a:p>
+            <a:r>
+              <a:rPr lang="en-US" dirty="0"/>
+              <a:t>Storage: MM</a:t>
+            </a:r>
+          </a:p>
+        </p:txBody>
+      </p:sp>
+      <p:sp>
+        <p:nvSpPr>
+          <p:cNvPr id="3" name="Content Placeholder 2">
+            <a:extLst>
+              <a:ext uri="{FF2B5EF4-FFF2-40B4-BE49-F238E27FC236}">
+                <a16:creationId xmlns:a16="http://schemas.microsoft.com/office/drawing/2014/main" id="{B7B840C8-2A31-4A26-8ACE-AD9ACFD171A3}"/>
+              </a:ext>
+            </a:extLst>
+          </p:cNvPr>
+          <p:cNvSpPr>
+            <a:spLocks noGrp="1"/>
+          </p:cNvSpPr>
+          <p:nvPr>
+            <p:ph idx="1"/>
+          </p:nvPr>
+        </p:nvSpPr>
+        <p:spPr/>
+        <p:txBody>
+          <a:bodyPr/>
+          <a:lstStyle/>
+          <a:p>
+            <a:pPr marL="0" indent="0">
+              <a:buNone/>
+            </a:pPr>
+            <a:r>
+              <a:rPr lang="en-US" dirty="0">
+                <a:latin typeface="Consolas" panose="020B0609020204030204" pitchFamily="49" charset="0"/>
+              </a:rPr>
+              <a:t>Storage  / </a:t>
+            </a:r>
+            <a:r>
+              <a:rPr lang="en-US" dirty="0" err="1">
+                <a:latin typeface="Consolas" panose="020B0609020204030204" pitchFamily="49" charset="0"/>
+              </a:rPr>
+              <a:t>RuntimeStorage</a:t>
+            </a:r>
+            <a:r>
+              <a:rPr lang="en-US" dirty="0">
+                <a:latin typeface="Consolas" panose="020B0609020204030204" pitchFamily="49" charset="0"/>
+              </a:rPr>
+              <a:t> / </a:t>
+            </a:r>
+            <a:r>
+              <a:rPr lang="en-US" dirty="0" err="1">
+                <a:latin typeface="Consolas" panose="020B0609020204030204" pitchFamily="49" charset="0"/>
+              </a:rPr>
+              <a:t>RuntimeStorageAccess</a:t>
+            </a:r>
+            <a:r>
+              <a:rPr lang="en-US" dirty="0"/>
+              <a:t>:</a:t>
+            </a:r>
+          </a:p>
+          <a:p>
+            <a:r>
+              <a:rPr lang="en-US" dirty="0" err="1"/>
+              <a:t>Implementiert</a:t>
+            </a:r>
+            <a:r>
+              <a:rPr lang="en-US" dirty="0"/>
+              <a:t> </a:t>
+            </a:r>
+            <a:r>
+              <a:rPr lang="en-US" dirty="0" err="1"/>
+              <a:t>als</a:t>
+            </a:r>
+            <a:r>
+              <a:rPr lang="en-US" dirty="0"/>
+              <a:t> </a:t>
+            </a:r>
+            <a:r>
+              <a:rPr lang="en-US" dirty="0" err="1"/>
+              <a:t>Multiton</a:t>
+            </a:r>
+            <a:r>
+              <a:rPr lang="en-US" dirty="0"/>
+              <a:t> (Was </a:t>
+            </a:r>
+            <a:r>
+              <a:rPr lang="en-US" dirty="0" err="1"/>
+              <a:t>folgt</a:t>
+            </a:r>
+            <a:r>
+              <a:rPr lang="en-US" dirty="0"/>
+              <a:t> </a:t>
+            </a:r>
+            <a:r>
+              <a:rPr lang="en-US" dirty="0" err="1"/>
+              <a:t>daraus</a:t>
+            </a:r>
+            <a:r>
+              <a:rPr lang="en-US" dirty="0"/>
+              <a:t>?)</a:t>
+            </a:r>
+          </a:p>
+          <a:p>
+            <a:r>
+              <a:rPr lang="en-US" dirty="0" err="1"/>
+              <a:t>Persistieren</a:t>
+            </a:r>
+            <a:r>
+              <a:rPr lang="en-US" dirty="0"/>
+              <a:t> </a:t>
+            </a:r>
+            <a:r>
+              <a:rPr lang="en-US" dirty="0" err="1"/>
+              <a:t>über</a:t>
+            </a:r>
+            <a:r>
+              <a:rPr lang="en-US" dirty="0"/>
+              <a:t> </a:t>
+            </a:r>
+            <a:r>
+              <a:rPr lang="en-US" dirty="0" err="1"/>
+              <a:t>Dateien</a:t>
+            </a:r>
+            <a:r>
+              <a:rPr lang="en-US" dirty="0"/>
+              <a:t> (.ser)</a:t>
+            </a:r>
+          </a:p>
+          <a:p>
+            <a:r>
+              <a:rPr lang="en-US" dirty="0" err="1"/>
+              <a:t>Datei-Interaktionen</a:t>
+            </a:r>
+            <a:r>
+              <a:rPr lang="en-US" dirty="0"/>
+              <a:t> in: </a:t>
+            </a:r>
+            <a:r>
+              <a:rPr lang="en-US" dirty="0">
+                <a:latin typeface="Consolas" panose="020B0609020204030204" pitchFamily="49" charset="0"/>
+              </a:rPr>
+              <a:t>clear, </a:t>
+            </a:r>
+            <a:r>
+              <a:rPr lang="en-US" dirty="0" err="1">
+                <a:latin typeface="Consolas" panose="020B0609020204030204" pitchFamily="49" charset="0"/>
+              </a:rPr>
+              <a:t>saveAll</a:t>
+            </a:r>
+            <a:r>
+              <a:rPr lang="en-US" dirty="0">
+                <a:latin typeface="Consolas" panose="020B0609020204030204" pitchFamily="49" charset="0"/>
+              </a:rPr>
+              <a:t>, </a:t>
+            </a:r>
+            <a:r>
+              <a:rPr lang="en-US" dirty="0" err="1">
+                <a:latin typeface="Consolas" panose="020B0609020204030204" pitchFamily="49" charset="0"/>
+              </a:rPr>
+              <a:t>loadAll</a:t>
+            </a:r>
+            <a:endParaRPr lang="en-US" dirty="0">
+              <a:latin typeface="Consolas" panose="020B0609020204030204" pitchFamily="49" charset="0"/>
+            </a:endParaRPr>
+          </a:p>
+          <a:p>
+            <a:pPr lvl="1"/>
+            <a:r>
+              <a:rPr lang="en-US" dirty="0" err="1"/>
+              <a:t>Mithilfe</a:t>
+            </a:r>
+            <a:r>
+              <a:rPr lang="en-US" dirty="0"/>
+              <a:t> der </a:t>
+            </a:r>
+            <a:r>
+              <a:rPr lang="en-US" dirty="0" err="1"/>
+              <a:t>Klasse</a:t>
+            </a:r>
+            <a:r>
+              <a:rPr lang="en-US" dirty="0"/>
+              <a:t>: </a:t>
+            </a:r>
+            <a:r>
+              <a:rPr lang="en-US" dirty="0">
+                <a:latin typeface="Consolas" panose="020B0609020204030204" pitchFamily="49" charset="0"/>
+              </a:rPr>
+              <a:t>Serial</a:t>
+            </a:r>
+          </a:p>
+          <a:p>
+            <a:r>
+              <a:rPr lang="en-US" dirty="0" err="1"/>
+              <a:t>Zur</a:t>
+            </a:r>
+            <a:r>
+              <a:rPr lang="en-US" dirty="0"/>
+              <a:t> </a:t>
+            </a:r>
+            <a:r>
+              <a:rPr lang="en-US" dirty="0" err="1"/>
+              <a:t>Laufzeit</a:t>
+            </a:r>
+            <a:r>
+              <a:rPr lang="en-US" dirty="0"/>
+              <a:t> </a:t>
+            </a:r>
+            <a:r>
+              <a:rPr lang="en-US" dirty="0" err="1"/>
+              <a:t>Operationen</a:t>
+            </a:r>
+            <a:r>
+              <a:rPr lang="en-US" dirty="0"/>
+              <a:t> </a:t>
+            </a:r>
+            <a:r>
+              <a:rPr lang="en-US" dirty="0" err="1"/>
+              <a:t>über</a:t>
+            </a:r>
+            <a:r>
+              <a:rPr lang="en-US" dirty="0"/>
+              <a:t>: </a:t>
+            </a:r>
+            <a:r>
+              <a:rPr lang="en-US" dirty="0">
+                <a:latin typeface="Consolas" panose="020B0609020204030204" pitchFamily="49" charset="0"/>
+              </a:rPr>
+              <a:t>Register</a:t>
+            </a:r>
+          </a:p>
+          <a:p>
+            <a:r>
+              <a:rPr lang="en-US" dirty="0" err="1"/>
+              <a:t>Mit</a:t>
+            </a:r>
+            <a:r>
+              <a:rPr lang="en-US" dirty="0">
+                <a:latin typeface="Consolas" panose="020B0609020204030204" pitchFamily="49" charset="0"/>
+              </a:rPr>
+              <a:t> </a:t>
+            </a:r>
+            <a:r>
+              <a:rPr lang="en-US" dirty="0" err="1">
+                <a:latin typeface="Consolas" panose="020B0609020204030204" pitchFamily="49" charset="0"/>
+              </a:rPr>
+              <a:t>ReversiableTransaction</a:t>
+            </a:r>
+            <a:r>
+              <a:rPr lang="en-US" dirty="0">
+                <a:latin typeface="Consolas" panose="020B0609020204030204" pitchFamily="49" charset="0"/>
+              </a:rPr>
+              <a:t> </a:t>
+            </a:r>
+            <a:r>
+              <a:rPr lang="en-US" dirty="0" err="1"/>
+              <a:t>sind</a:t>
+            </a:r>
+            <a:r>
+              <a:rPr lang="en-US" dirty="0">
+                <a:latin typeface="Consolas" panose="020B0609020204030204" pitchFamily="49" charset="0"/>
+              </a:rPr>
+              <a:t> </a:t>
+            </a:r>
+            <a:r>
+              <a:rPr lang="en-US" dirty="0" err="1"/>
+              <a:t>Änderungen</a:t>
+            </a:r>
+            <a:r>
+              <a:rPr lang="en-US" dirty="0"/>
+              <a:t> </a:t>
+            </a:r>
+            <a:r>
+              <a:rPr lang="en-US" dirty="0" err="1"/>
+              <a:t>rückgängig</a:t>
+            </a:r>
+            <a:r>
+              <a:rPr lang="en-US" dirty="0"/>
+              <a:t> </a:t>
+            </a:r>
+            <a:r>
+              <a:rPr lang="en-US" dirty="0" err="1"/>
+              <a:t>machbar</a:t>
+            </a:r>
+            <a:r>
+              <a:rPr lang="en-US" dirty="0"/>
+              <a:t>!</a:t>
+            </a:r>
+          </a:p>
+          <a:p>
+            <a:endParaRPr lang="en-US" dirty="0"/>
+          </a:p>
+        </p:txBody>
+      </p:sp>
+    </p:spTree>
+    <p:extLst>
+      <p:ext uri="{BB962C8B-B14F-4D97-AF65-F5344CB8AC3E}">
+        <p14:creationId xmlns:p14="http://schemas.microsoft.com/office/powerpoint/2010/main" val="1730989107"/>
       </p:ext>
     </p:extLst>
   </p:cSld>
@@ -4711,4 +7134,299 @@
     </a:ext>
   </a:extLst>
 </a:theme>
+</file>
+
+<file path=ppt/theme/theme2.xml><?xml version="1.0" encoding="utf-8"?>
+<a:theme xmlns:a="http://schemas.openxmlformats.org/drawingml/2006/main" name="Office Theme">
+  <a:themeElements>
+    <a:clrScheme name="Office">
+      <a:dk1>
+        <a:sysClr val="windowText" lastClr="000000"/>
+      </a:dk1>
+      <a:lt1>
+        <a:sysClr val="window" lastClr="FFFFFF"/>
+      </a:lt1>
+      <a:dk2>
+        <a:srgbClr val="44546A"/>
+      </a:dk2>
+      <a:lt2>
+        <a:srgbClr val="E7E6E6"/>
+      </a:lt2>
+      <a:accent1>
+        <a:srgbClr val="4472C4"/>
+      </a:accent1>
+      <a:accent2>
+        <a:srgbClr val="ED7D31"/>
+      </a:accent2>
+      <a:accent3>
+        <a:srgbClr val="A5A5A5"/>
+      </a:accent3>
+      <a:accent4>
+        <a:srgbClr val="FFC000"/>
+      </a:accent4>
+      <a:accent5>
+        <a:srgbClr val="5B9BD5"/>
+      </a:accent5>
+      <a:accent6>
+        <a:srgbClr val="70AD47"/>
+      </a:accent6>
+      <a:hlink>
+        <a:srgbClr val="0563C1"/>
+      </a:hlink>
+      <a:folHlink>
+        <a:srgbClr val="954F72"/>
+      </a:folHlink>
+    </a:clrScheme>
+    <a:fontScheme name="Office">
+      <a:majorFont>
+        <a:latin typeface="Calibri Light" panose="020F0302020204030204"/>
+        <a:ea typeface=""/>
+        <a:cs typeface=""/>
+        <a:font script="Jpan" typeface="游ゴシック Light"/>
+        <a:font script="Hang" typeface="맑은 고딕"/>
+        <a:font script="Hans" typeface="等线 Light"/>
+        <a:font script="Hant" typeface="新細明體"/>
+        <a:font script="Arab" typeface="Times New Roman"/>
+        <a:font script="Hebr" typeface="Times New Roman"/>
+        <a:font script="Thai" typeface="Angsana New"/>
+        <a:font script="Ethi" typeface="Nyala"/>
+        <a:font script="Beng" typeface="Vrinda"/>
+        <a:font script="Gujr" typeface="Shruti"/>
+        <a:font script="Khmr" typeface="MoolBoran"/>
+        <a:font script="Knda" typeface="Tunga"/>
+        <a:font script="Guru" typeface="Raavi"/>
+        <a:font script="Cans" typeface="Euphemia"/>
+        <a:font script="Cher" typeface="Plantagenet Cherokee"/>
+        <a:font script="Yiii" typeface="Microsoft Yi Baiti"/>
+        <a:font script="Tibt" typeface="Microsoft Himalaya"/>
+        <a:font script="Thaa" typeface="MV Boli"/>
+        <a:font script="Deva" typeface="Mangal"/>
+        <a:font script="Telu" typeface="Gautami"/>
+        <a:font script="Taml" typeface="Latha"/>
+        <a:font script="Syrc" typeface="Estrangelo Edessa"/>
+        <a:font script="Orya" typeface="Kalinga"/>
+        <a:font script="Mlym" typeface="Kartika"/>
+        <a:font script="Laoo" typeface="DokChampa"/>
+        <a:font script="Sinh" typeface="Iskoola Pota"/>
+        <a:font script="Mong" typeface="Mongolian Baiti"/>
+        <a:font script="Viet" typeface="Times New Roman"/>
+        <a:font script="Uigh" typeface="Microsoft Uighur"/>
+        <a:font script="Geor" typeface="Sylfaen"/>
+        <a:font script="Armn" typeface="Arial"/>
+        <a:font script="Bugi" typeface="Leelawadee UI"/>
+        <a:font script="Bopo" typeface="Microsoft JhengHei"/>
+        <a:font script="Java" typeface="Javanese Text"/>
+        <a:font script="Lisu" typeface="Segoe UI"/>
+        <a:font script="Mymr" typeface="Myanmar Text"/>
+        <a:font script="Nkoo" typeface="Ebrima"/>
+        <a:font script="Olck" typeface="Nirmala UI"/>
+        <a:font script="Osma" typeface="Ebrima"/>
+        <a:font script="Phag" typeface="Phagspa"/>
+        <a:font script="Syrn" typeface="Estrangelo Edessa"/>
+        <a:font script="Syrj" typeface="Estrangelo Edessa"/>
+        <a:font script="Syre" typeface="Estrangelo Edessa"/>
+        <a:font script="Sora" typeface="Nirmala UI"/>
+        <a:font script="Tale" typeface="Microsoft Tai Le"/>
+        <a:font script="Talu" typeface="Microsoft New Tai Lue"/>
+        <a:font script="Tfng" typeface="Ebrima"/>
+      </a:majorFont>
+      <a:minorFont>
+        <a:latin typeface="Calibri" panose="020F0502020204030204"/>
+        <a:ea typeface=""/>
+        <a:cs typeface=""/>
+        <a:font script="Jpan" typeface="游ゴシック"/>
+        <a:font script="Hang" typeface="맑은 고딕"/>
+        <a:font script="Hans" typeface="等线"/>
+        <a:font script="Hant" typeface="新細明體"/>
+        <a:font script="Arab" typeface="Arial"/>
+        <a:font script="Hebr" typeface="Arial"/>
+        <a:font script="Thai" typeface="Cordia New"/>
+        <a:font script="Ethi" typeface="Nyala"/>
+        <a:font script="Beng" typeface="Vrinda"/>
+        <a:font script="Gujr" typeface="Shruti"/>
+        <a:font script="Khmr" typeface="DaunPenh"/>
+        <a:font script="Knda" typeface="Tunga"/>
+        <a:font script="Guru" typeface="Raavi"/>
+        <a:font script="Cans" typeface="Euphemia"/>
+        <a:font script="Cher" typeface="Plantagenet Cherokee"/>
+        <a:font script="Yiii" typeface="Microsoft Yi Baiti"/>
+        <a:font script="Tibt" typeface="Microsoft Himalaya"/>
+        <a:font script="Thaa" typeface="MV Boli"/>
+        <a:font script="Deva" typeface="Mangal"/>
+        <a:font script="Telu" typeface="Gautami"/>
+        <a:font script="Taml" typeface="Latha"/>
+        <a:font script="Syrc" typeface="Estrangelo Edessa"/>
+        <a:font script="Orya" typeface="Kalinga"/>
+        <a:font script="Mlym" typeface="Kartika"/>
+        <a:font script="Laoo" typeface="DokChampa"/>
+        <a:font script="Sinh" typeface="Iskoola Pota"/>
+        <a:font script="Mong" typeface="Mongolian Baiti"/>
+        <a:font script="Viet" typeface="Arial"/>
+        <a:font script="Uigh" typeface="Microsoft Uighur"/>
+        <a:font script="Geor" typeface="Sylfaen"/>
+        <a:font script="Armn" typeface="Arial"/>
+        <a:font script="Bugi" typeface="Leelawadee UI"/>
+        <a:font script="Bopo" typeface="Microsoft JhengHei"/>
+        <a:font script="Java" typeface="Javanese Text"/>
+        <a:font script="Lisu" typeface="Segoe UI"/>
+        <a:font script="Mymr" typeface="Myanmar Text"/>
+        <a:font script="Nkoo" typeface="Ebrima"/>
+        <a:font script="Olck" typeface="Nirmala UI"/>
+        <a:font script="Osma" typeface="Ebrima"/>
+        <a:font script="Phag" typeface="Phagspa"/>
+        <a:font script="Syrn" typeface="Estrangelo Edessa"/>
+        <a:font script="Syrj" typeface="Estrangelo Edessa"/>
+        <a:font script="Syre" typeface="Estrangelo Edessa"/>
+        <a:font script="Sora" typeface="Nirmala UI"/>
+        <a:font script="Tale" typeface="Microsoft Tai Le"/>
+        <a:font script="Talu" typeface="Microsoft New Tai Lue"/>
+        <a:font script="Tfng" typeface="Ebrima"/>
+      </a:minorFont>
+    </a:fontScheme>
+    <a:fmtScheme name="Office">
+      <a:fillStyleLst>
+        <a:solidFill>
+          <a:schemeClr val="phClr"/>
+        </a:solidFill>
+        <a:gradFill rotWithShape="1">
+          <a:gsLst>
+            <a:gs pos="0">
+              <a:schemeClr val="phClr">
+                <a:lumMod val="110000"/>
+                <a:satMod val="105000"/>
+                <a:tint val="67000"/>
+              </a:schemeClr>
+            </a:gs>
+            <a:gs pos="50000">
+              <a:schemeClr val="phClr">
+                <a:lumMod val="105000"/>
+                <a:satMod val="103000"/>
+                <a:tint val="73000"/>
+              </a:schemeClr>
+            </a:gs>
+            <a:gs pos="100000">
+              <a:schemeClr val="phClr">
+                <a:lumMod val="105000"/>
+                <a:satMod val="109000"/>
+                <a:tint val="81000"/>
+              </a:schemeClr>
+            </a:gs>
+          </a:gsLst>
+          <a:lin ang="5400000" scaled="0"/>
+        </a:gradFill>
+        <a:gradFill rotWithShape="1">
+          <a:gsLst>
+            <a:gs pos="0">
+              <a:schemeClr val="phClr">
+                <a:satMod val="103000"/>
+                <a:lumMod val="102000"/>
+                <a:tint val="94000"/>
+              </a:schemeClr>
+            </a:gs>
+            <a:gs pos="50000">
+              <a:schemeClr val="phClr">
+                <a:satMod val="110000"/>
+                <a:lumMod val="100000"/>
+                <a:shade val="100000"/>
+              </a:schemeClr>
+            </a:gs>
+            <a:gs pos="100000">
+              <a:schemeClr val="phClr">
+                <a:lumMod val="99000"/>
+                <a:satMod val="120000"/>
+                <a:shade val="78000"/>
+              </a:schemeClr>
+            </a:gs>
+          </a:gsLst>
+          <a:lin ang="5400000" scaled="0"/>
+        </a:gradFill>
+      </a:fillStyleLst>
+      <a:lnStyleLst>
+        <a:ln w="6350" cap="flat" cmpd="sng" algn="ctr">
+          <a:solidFill>
+            <a:schemeClr val="phClr"/>
+          </a:solidFill>
+          <a:prstDash val="solid"/>
+          <a:miter lim="800000"/>
+        </a:ln>
+        <a:ln w="12700" cap="flat" cmpd="sng" algn="ctr">
+          <a:solidFill>
+            <a:schemeClr val="phClr"/>
+          </a:solidFill>
+          <a:prstDash val="solid"/>
+          <a:miter lim="800000"/>
+        </a:ln>
+        <a:ln w="19050" cap="flat" cmpd="sng" algn="ctr">
+          <a:solidFill>
+            <a:schemeClr val="phClr"/>
+          </a:solidFill>
+          <a:prstDash val="solid"/>
+          <a:miter lim="800000"/>
+        </a:ln>
+      </a:lnStyleLst>
+      <a:effectStyleLst>
+        <a:effectStyle>
+          <a:effectLst/>
+        </a:effectStyle>
+        <a:effectStyle>
+          <a:effectLst/>
+        </a:effectStyle>
+        <a:effectStyle>
+          <a:effectLst>
+            <a:outerShdw blurRad="57150" dist="19050" dir="5400000" algn="ctr" rotWithShape="0">
+              <a:srgbClr val="000000">
+                <a:alpha val="63000"/>
+              </a:srgbClr>
+            </a:outerShdw>
+          </a:effectLst>
+        </a:effectStyle>
+      </a:effectStyleLst>
+      <a:bgFillStyleLst>
+        <a:solidFill>
+          <a:schemeClr val="phClr"/>
+        </a:solidFill>
+        <a:solidFill>
+          <a:schemeClr val="phClr">
+            <a:tint val="95000"/>
+            <a:satMod val="170000"/>
+          </a:schemeClr>
+        </a:solidFill>
+        <a:gradFill rotWithShape="1">
+          <a:gsLst>
+            <a:gs pos="0">
+              <a:schemeClr val="phClr">
+                <a:tint val="93000"/>
+                <a:satMod val="150000"/>
+                <a:shade val="98000"/>
+                <a:lumMod val="102000"/>
+              </a:schemeClr>
+            </a:gs>
+            <a:gs pos="50000">
+              <a:schemeClr val="phClr">
+                <a:tint val="98000"/>
+                <a:satMod val="130000"/>
+                <a:shade val="90000"/>
+                <a:lumMod val="103000"/>
+              </a:schemeClr>
+            </a:gs>
+            <a:gs pos="100000">
+              <a:schemeClr val="phClr">
+                <a:shade val="63000"/>
+                <a:satMod val="120000"/>
+              </a:schemeClr>
+            </a:gs>
+          </a:gsLst>
+          <a:lin ang="5400000" scaled="0"/>
+        </a:gradFill>
+      </a:bgFillStyleLst>
+    </a:fmtScheme>
+  </a:themeElements>
+  <a:objectDefaults/>
+  <a:extraClrSchemeLst/>
+  <a:extLst>
+    <a:ext uri="{05A4C25C-085E-4340-85A3-A5531E510DB2}">
+      <thm15:themeFamily xmlns:thm15="http://schemas.microsoft.com/office/thememl/2012/main" name="Office Theme" id="{62F939B6-93AF-4DB8-9C6B-D6C7DFDC589F}" vid="{4A3C46E8-61CC-4603-A589-7422A47A8E4A}"/>
+    </a:ext>
+  </a:extLst>
+</a:theme>
 </file>